--- a/Kata Gilded Rose.pptx
+++ b/Kata Gilded Rose.pptx
@@ -6,10 +6,10 @@
     <p:sldMasterId id="2147483671" r:id="rId5"/>
   </p:sldMasterIdLst>
   <p:notesMasterIdLst>
-    <p:notesMasterId r:id="rId25"/>
+    <p:notesMasterId r:id="rId24"/>
   </p:notesMasterIdLst>
   <p:handoutMasterIdLst>
-    <p:handoutMasterId r:id="rId26"/>
+    <p:handoutMasterId r:id="rId25"/>
   </p:handoutMasterIdLst>
   <p:sldIdLst>
     <p:sldId id="538" r:id="rId6"/>
@@ -30,7 +30,6 @@
     <p:sldId id="299" r:id="rId21"/>
     <p:sldId id="580" r:id="rId22"/>
     <p:sldId id="300" r:id="rId23"/>
-    <p:sldId id="557" r:id="rId24"/>
   </p:sldIdLst>
   <p:sldSz cx="12192000" cy="6858000"/>
   <p:notesSz cx="6858000" cy="9144000"/>
@@ -161,248 +160,6 @@
 
 <file path=ppt/changesInfos/changesInfo1.xml><?xml version="1.0" encoding="utf-8"?>
 <pc:chgInfo xmlns:a="http://schemas.openxmlformats.org/drawingml/2006/main" xmlns:r="http://schemas.openxmlformats.org/officeDocument/2006/relationships" xmlns:ac="http://schemas.microsoft.com/office/drawing/2013/main/command" xmlns:pc="http://schemas.microsoft.com/office/powerpoint/2013/main/command">
-  <pc:docChgLst>
-    <pc:chgData name="Jimenez Martinez, Pablo" userId="713675c2-bab4-4c20-ae51-6cb24299fdbd" providerId="ADAL" clId="{CB2CE608-4B17-4114-A01E-68AB8ADD06B6}"/>
-    <pc:docChg chg="undo custSel addSld delSld modSld">
-      <pc:chgData name="Jimenez Martinez, Pablo" userId="713675c2-bab4-4c20-ae51-6cb24299fdbd" providerId="ADAL" clId="{CB2CE608-4B17-4114-A01E-68AB8ADD06B6}" dt="2022-03-24T07:24:16.772" v="790" actId="47"/>
-      <pc:docMkLst>
-        <pc:docMk/>
-      </pc:docMkLst>
-      <pc:sldChg chg="modSp add mod">
-        <pc:chgData name="Jimenez Martinez, Pablo" userId="713675c2-bab4-4c20-ae51-6cb24299fdbd" providerId="ADAL" clId="{CB2CE608-4B17-4114-A01E-68AB8ADD06B6}" dt="2022-03-23T11:49:21.690" v="88" actId="1035"/>
-        <pc:sldMkLst>
-          <pc:docMk/>
-          <pc:sldMk cId="0" sldId="275"/>
-        </pc:sldMkLst>
-        <pc:spChg chg="mod">
-          <ac:chgData name="Jimenez Martinez, Pablo" userId="713675c2-bab4-4c20-ae51-6cb24299fdbd" providerId="ADAL" clId="{CB2CE608-4B17-4114-A01E-68AB8ADD06B6}" dt="2022-03-23T11:49:21.042" v="87" actId="1036"/>
-          <ac:spMkLst>
-            <pc:docMk/>
-            <pc:sldMk cId="0" sldId="275"/>
-            <ac:spMk id="196" creationId="{00000000-0000-0000-0000-000000000000}"/>
-          </ac:spMkLst>
-        </pc:spChg>
-        <pc:picChg chg="mod">
-          <ac:chgData name="Jimenez Martinez, Pablo" userId="713675c2-bab4-4c20-ae51-6cb24299fdbd" providerId="ADAL" clId="{CB2CE608-4B17-4114-A01E-68AB8ADD06B6}" dt="2022-03-23T11:49:21.690" v="88" actId="1035"/>
-          <ac:picMkLst>
-            <pc:docMk/>
-            <pc:sldMk cId="0" sldId="275"/>
-            <ac:picMk id="4098" creationId="{00000000-0000-0000-0000-000000000000}"/>
-          </ac:picMkLst>
-        </pc:picChg>
-      </pc:sldChg>
-      <pc:sldChg chg="modSp add mod">
-        <pc:chgData name="Jimenez Martinez, Pablo" userId="713675c2-bab4-4c20-ae51-6cb24299fdbd" providerId="ADAL" clId="{CB2CE608-4B17-4114-A01E-68AB8ADD06B6}" dt="2022-03-23T11:57:30.180" v="415" actId="20577"/>
-        <pc:sldMkLst>
-          <pc:docMk/>
-          <pc:sldMk cId="2871526943" sldId="276"/>
-        </pc:sldMkLst>
-        <pc:spChg chg="mod">
-          <ac:chgData name="Jimenez Martinez, Pablo" userId="713675c2-bab4-4c20-ae51-6cb24299fdbd" providerId="ADAL" clId="{CB2CE608-4B17-4114-A01E-68AB8ADD06B6}" dt="2022-03-23T11:57:30.180" v="415" actId="20577"/>
-          <ac:spMkLst>
-            <pc:docMk/>
-            <pc:sldMk cId="2871526943" sldId="276"/>
-            <ac:spMk id="196" creationId="{00000000-0000-0000-0000-000000000000}"/>
-          </ac:spMkLst>
-        </pc:spChg>
-      </pc:sldChg>
-      <pc:sldChg chg="modSp add mod">
-        <pc:chgData name="Jimenez Martinez, Pablo" userId="713675c2-bab4-4c20-ae51-6cb24299fdbd" providerId="ADAL" clId="{CB2CE608-4B17-4114-A01E-68AB8ADD06B6}" dt="2022-03-23T15:31:01.066" v="785" actId="1035"/>
-        <pc:sldMkLst>
-          <pc:docMk/>
-          <pc:sldMk cId="469566384" sldId="277"/>
-        </pc:sldMkLst>
-        <pc:spChg chg="mod">
-          <ac:chgData name="Jimenez Martinez, Pablo" userId="713675c2-bab4-4c20-ae51-6cb24299fdbd" providerId="ADAL" clId="{CB2CE608-4B17-4114-A01E-68AB8ADD06B6}" dt="2022-03-23T15:30:55.260" v="778" actId="6549"/>
-          <ac:spMkLst>
-            <pc:docMk/>
-            <pc:sldMk cId="469566384" sldId="277"/>
-            <ac:spMk id="196" creationId="{00000000-0000-0000-0000-000000000000}"/>
-          </ac:spMkLst>
-        </pc:spChg>
-        <pc:picChg chg="mod">
-          <ac:chgData name="Jimenez Martinez, Pablo" userId="713675c2-bab4-4c20-ae51-6cb24299fdbd" providerId="ADAL" clId="{CB2CE608-4B17-4114-A01E-68AB8ADD06B6}" dt="2022-03-23T15:31:01.066" v="785" actId="1035"/>
-          <ac:picMkLst>
-            <pc:docMk/>
-            <pc:sldMk cId="469566384" sldId="277"/>
-            <ac:picMk id="2050" creationId="{00000000-0000-0000-0000-000000000000}"/>
-          </ac:picMkLst>
-        </pc:picChg>
-      </pc:sldChg>
-      <pc:sldChg chg="modSp add mod">
-        <pc:chgData name="Jimenez Martinez, Pablo" userId="713675c2-bab4-4c20-ae51-6cb24299fdbd" providerId="ADAL" clId="{CB2CE608-4B17-4114-A01E-68AB8ADD06B6}" dt="2022-03-23T11:58:35.728" v="461" actId="6549"/>
-        <pc:sldMkLst>
-          <pc:docMk/>
-          <pc:sldMk cId="223235735" sldId="278"/>
-        </pc:sldMkLst>
-        <pc:spChg chg="mod">
-          <ac:chgData name="Jimenez Martinez, Pablo" userId="713675c2-bab4-4c20-ae51-6cb24299fdbd" providerId="ADAL" clId="{CB2CE608-4B17-4114-A01E-68AB8ADD06B6}" dt="2022-03-23T11:58:35.728" v="461" actId="6549"/>
-          <ac:spMkLst>
-            <pc:docMk/>
-            <pc:sldMk cId="223235735" sldId="278"/>
-            <ac:spMk id="196" creationId="{00000000-0000-0000-0000-000000000000}"/>
-          </ac:spMkLst>
-        </pc:spChg>
-      </pc:sldChg>
-      <pc:sldChg chg="addSp modSp del mod">
-        <pc:chgData name="Jimenez Martinez, Pablo" userId="713675c2-bab4-4c20-ae51-6cb24299fdbd" providerId="ADAL" clId="{CB2CE608-4B17-4114-A01E-68AB8ADD06B6}" dt="2022-03-24T07:24:16.772" v="790" actId="47"/>
-        <pc:sldMkLst>
-          <pc:docMk/>
-          <pc:sldMk cId="3138233843" sldId="296"/>
-        </pc:sldMkLst>
-        <pc:spChg chg="add mod">
-          <ac:chgData name="Jimenez Martinez, Pablo" userId="713675c2-bab4-4c20-ae51-6cb24299fdbd" providerId="ADAL" clId="{CB2CE608-4B17-4114-A01E-68AB8ADD06B6}" dt="2022-03-23T12:02:43.024" v="767" actId="1076"/>
-          <ac:spMkLst>
-            <pc:docMk/>
-            <pc:sldMk cId="3138233843" sldId="296"/>
-            <ac:spMk id="3" creationId="{697D6FE8-8B49-4650-8D14-860460D492B4}"/>
-          </ac:spMkLst>
-        </pc:spChg>
-      </pc:sldChg>
-      <pc:sldChg chg="delSp modSp mod">
-        <pc:chgData name="Jimenez Martinez, Pablo" userId="713675c2-bab4-4c20-ae51-6cb24299fdbd" providerId="ADAL" clId="{CB2CE608-4B17-4114-A01E-68AB8ADD06B6}" dt="2022-03-23T11:48:20.895" v="52" actId="1038"/>
-        <pc:sldMkLst>
-          <pc:docMk/>
-          <pc:sldMk cId="1068206032" sldId="538"/>
-        </pc:sldMkLst>
-        <pc:spChg chg="mod">
-          <ac:chgData name="Jimenez Martinez, Pablo" userId="713675c2-bab4-4c20-ae51-6cb24299fdbd" providerId="ADAL" clId="{CB2CE608-4B17-4114-A01E-68AB8ADD06B6}" dt="2022-03-23T11:48:05.250" v="30" actId="20577"/>
-          <ac:spMkLst>
-            <pc:docMk/>
-            <pc:sldMk cId="1068206032" sldId="538"/>
-            <ac:spMk id="5" creationId="{CDAD4CD6-0D42-4B53-A553-167F9F359564}"/>
-          </ac:spMkLst>
-        </pc:spChg>
-        <pc:spChg chg="mod">
-          <ac:chgData name="Jimenez Martinez, Pablo" userId="713675c2-bab4-4c20-ae51-6cb24299fdbd" providerId="ADAL" clId="{CB2CE608-4B17-4114-A01E-68AB8ADD06B6}" dt="2022-03-23T11:48:20.895" v="52" actId="1038"/>
-          <ac:spMkLst>
-            <pc:docMk/>
-            <pc:sldMk cId="1068206032" sldId="538"/>
-            <ac:spMk id="6" creationId="{A7836B60-AE10-4694-B8D8-4190ECFD8ED2}"/>
-          </ac:spMkLst>
-        </pc:spChg>
-        <pc:spChg chg="del">
-          <ac:chgData name="Jimenez Martinez, Pablo" userId="713675c2-bab4-4c20-ae51-6cb24299fdbd" providerId="ADAL" clId="{CB2CE608-4B17-4114-A01E-68AB8ADD06B6}" dt="2022-03-23T11:48:13.913" v="42" actId="478"/>
-          <ac:spMkLst>
-            <pc:docMk/>
-            <pc:sldMk cId="1068206032" sldId="538"/>
-            <ac:spMk id="8" creationId="{80A9FC94-A316-4D8B-818F-7CDE09F8747C}"/>
-          </ac:spMkLst>
-        </pc:spChg>
-      </pc:sldChg>
-      <pc:sldChg chg="del">
-        <pc:chgData name="Jimenez Martinez, Pablo" userId="713675c2-bab4-4c20-ae51-6cb24299fdbd" providerId="ADAL" clId="{CB2CE608-4B17-4114-A01E-68AB8ADD06B6}" dt="2022-03-23T11:49:24.987" v="89" actId="47"/>
-        <pc:sldMkLst>
-          <pc:docMk/>
-          <pc:sldMk cId="3614825301" sldId="558"/>
-        </pc:sldMkLst>
-      </pc:sldChg>
-      <pc:sldChg chg="del">
-        <pc:chgData name="Jimenez Martinez, Pablo" userId="713675c2-bab4-4c20-ae51-6cb24299fdbd" providerId="ADAL" clId="{CB2CE608-4B17-4114-A01E-68AB8ADD06B6}" dt="2022-03-23T11:49:27.997" v="91" actId="47"/>
-        <pc:sldMkLst>
-          <pc:docMk/>
-          <pc:sldMk cId="223235735" sldId="559"/>
-        </pc:sldMkLst>
-      </pc:sldChg>
-      <pc:sldChg chg="modSp mod">
-        <pc:chgData name="Jimenez Martinez, Pablo" userId="713675c2-bab4-4c20-ae51-6cb24299fdbd" providerId="ADAL" clId="{CB2CE608-4B17-4114-A01E-68AB8ADD06B6}" dt="2022-03-23T11:48:47.066" v="65" actId="6549"/>
-        <pc:sldMkLst>
-          <pc:docMk/>
-          <pc:sldMk cId="2773007854" sldId="572"/>
-        </pc:sldMkLst>
-        <pc:spChg chg="mod">
-          <ac:chgData name="Jimenez Martinez, Pablo" userId="713675c2-bab4-4c20-ae51-6cb24299fdbd" providerId="ADAL" clId="{CB2CE608-4B17-4114-A01E-68AB8ADD06B6}" dt="2022-03-23T11:48:47.066" v="65" actId="6549"/>
-          <ac:spMkLst>
-            <pc:docMk/>
-            <pc:sldMk cId="2773007854" sldId="572"/>
-            <ac:spMk id="6" creationId="{0BB40221-4A4C-4967-A2D2-883873C2B121}"/>
-          </ac:spMkLst>
-        </pc:spChg>
-      </pc:sldChg>
-      <pc:sldChg chg="modSp mod">
-        <pc:chgData name="Jimenez Martinez, Pablo" userId="713675c2-bab4-4c20-ae51-6cb24299fdbd" providerId="ADAL" clId="{CB2CE608-4B17-4114-A01E-68AB8ADD06B6}" dt="2022-03-23T12:01:20.458" v="709" actId="6549"/>
-        <pc:sldMkLst>
-          <pc:docMk/>
-          <pc:sldMk cId="4068828634" sldId="573"/>
-        </pc:sldMkLst>
-        <pc:spChg chg="mod">
-          <ac:chgData name="Jimenez Martinez, Pablo" userId="713675c2-bab4-4c20-ae51-6cb24299fdbd" providerId="ADAL" clId="{CB2CE608-4B17-4114-A01E-68AB8ADD06B6}" dt="2022-03-23T12:01:20.458" v="709" actId="6549"/>
-          <ac:spMkLst>
-            <pc:docMk/>
-            <pc:sldMk cId="4068828634" sldId="573"/>
-            <ac:spMk id="170" creationId="{00000000-0000-0000-0000-000000000000}"/>
-          </ac:spMkLst>
-        </pc:spChg>
-      </pc:sldChg>
-      <pc:sldChg chg="del">
-        <pc:chgData name="Jimenez Martinez, Pablo" userId="713675c2-bab4-4c20-ae51-6cb24299fdbd" providerId="ADAL" clId="{CB2CE608-4B17-4114-A01E-68AB8ADD06B6}" dt="2022-03-23T11:49:26.789" v="90" actId="47"/>
-        <pc:sldMkLst>
-          <pc:docMk/>
-          <pc:sldMk cId="3070921349" sldId="578"/>
-        </pc:sldMkLst>
-      </pc:sldChg>
-      <pc:sldChg chg="addSp modSp del">
-        <pc:chgData name="Jimenez Martinez, Pablo" userId="713675c2-bab4-4c20-ae51-6cb24299fdbd" providerId="ADAL" clId="{CB2CE608-4B17-4114-A01E-68AB8ADD06B6}" dt="2022-03-24T07:24:15.652" v="789" actId="47"/>
-        <pc:sldMkLst>
-          <pc:docMk/>
-          <pc:sldMk cId="1943026793" sldId="581"/>
-        </pc:sldMkLst>
-        <pc:spChg chg="add mod">
-          <ac:chgData name="Jimenez Martinez, Pablo" userId="713675c2-bab4-4c20-ae51-6cb24299fdbd" providerId="ADAL" clId="{CB2CE608-4B17-4114-A01E-68AB8ADD06B6}" dt="2022-03-23T12:02:47.101" v="768"/>
-          <ac:spMkLst>
-            <pc:docMk/>
-            <pc:sldMk cId="1943026793" sldId="581"/>
-            <ac:spMk id="16" creationId="{0A1EC8A3-A9CF-43C2-B191-FEC0FC5CC2C8}"/>
-          </ac:spMkLst>
-        </pc:spChg>
-      </pc:sldChg>
-      <pc:sldChg chg="addSp modSp del">
-        <pc:chgData name="Jimenez Martinez, Pablo" userId="713675c2-bab4-4c20-ae51-6cb24299fdbd" providerId="ADAL" clId="{CB2CE608-4B17-4114-A01E-68AB8ADD06B6}" dt="2022-03-24T07:24:14.836" v="788" actId="47"/>
-        <pc:sldMkLst>
-          <pc:docMk/>
-          <pc:sldMk cId="2227367454" sldId="583"/>
-        </pc:sldMkLst>
-        <pc:spChg chg="add mod">
-          <ac:chgData name="Jimenez Martinez, Pablo" userId="713675c2-bab4-4c20-ae51-6cb24299fdbd" providerId="ADAL" clId="{CB2CE608-4B17-4114-A01E-68AB8ADD06B6}" dt="2022-03-23T12:02:53.465" v="769"/>
-          <ac:spMkLst>
-            <pc:docMk/>
-            <pc:sldMk cId="2227367454" sldId="583"/>
-            <ac:spMk id="15" creationId="{F0C24E1F-20DD-448D-A403-12D6BF573BB8}"/>
-          </ac:spMkLst>
-        </pc:spChg>
-      </pc:sldChg>
-      <pc:sldChg chg="addSp modSp del">
-        <pc:chgData name="Jimenez Martinez, Pablo" userId="713675c2-bab4-4c20-ae51-6cb24299fdbd" providerId="ADAL" clId="{CB2CE608-4B17-4114-A01E-68AB8ADD06B6}" dt="2022-03-24T07:24:13.438" v="787" actId="47"/>
-        <pc:sldMkLst>
-          <pc:docMk/>
-          <pc:sldMk cId="833658107" sldId="584"/>
-        </pc:sldMkLst>
-        <pc:spChg chg="add mod">
-          <ac:chgData name="Jimenez Martinez, Pablo" userId="713675c2-bab4-4c20-ae51-6cb24299fdbd" providerId="ADAL" clId="{CB2CE608-4B17-4114-A01E-68AB8ADD06B6}" dt="2022-03-23T12:03:08.692" v="770"/>
-          <ac:spMkLst>
-            <pc:docMk/>
-            <pc:sldMk cId="833658107" sldId="584"/>
-            <ac:spMk id="21" creationId="{CB71DEBF-3C4B-427D-9AC4-62AA3625412B}"/>
-          </ac:spMkLst>
-        </pc:spChg>
-      </pc:sldChg>
-      <pc:sldChg chg="addSp modSp del">
-        <pc:chgData name="Jimenez Martinez, Pablo" userId="713675c2-bab4-4c20-ae51-6cb24299fdbd" providerId="ADAL" clId="{CB2CE608-4B17-4114-A01E-68AB8ADD06B6}" dt="2022-03-24T07:24:12.524" v="786" actId="47"/>
-        <pc:sldMkLst>
-          <pc:docMk/>
-          <pc:sldMk cId="3454759851" sldId="585"/>
-        </pc:sldMkLst>
-        <pc:spChg chg="add mod">
-          <ac:chgData name="Jimenez Martinez, Pablo" userId="713675c2-bab4-4c20-ae51-6cb24299fdbd" providerId="ADAL" clId="{CB2CE608-4B17-4114-A01E-68AB8ADD06B6}" dt="2022-03-23T12:03:11.855" v="771"/>
-          <ac:spMkLst>
-            <pc:docMk/>
-            <pc:sldMk cId="3454759851" sldId="585"/>
-            <ac:spMk id="15" creationId="{D2E11DD3-BA8F-409C-B3CF-ABE1F7115330}"/>
-          </ac:spMkLst>
-        </pc:spChg>
-      </pc:sldChg>
-    </pc:docChg>
-  </pc:docChgLst>
   <pc:docChgLst>
     <pc:chgData name="Jimenez Martinez, Pablo" userId="713675c2-bab4-4c20-ae51-6cb24299fdbd" providerId="ADAL" clId="{ACF71593-2CE1-4585-8D7A-E6DB649D4B39}"/>
     <pc:docChg chg="undo custSel addSld delSld modSld">
@@ -921,6 +678,248 @@
       </pc:sldChg>
     </pc:docChg>
   </pc:docChgLst>
+  <pc:docChgLst>
+    <pc:chgData name="Jimenez Martinez, Pablo" userId="713675c2-bab4-4c20-ae51-6cb24299fdbd" providerId="ADAL" clId="{CB2CE608-4B17-4114-A01E-68AB8ADD06B6}"/>
+    <pc:docChg chg="undo custSel addSld delSld modSld">
+      <pc:chgData name="Jimenez Martinez, Pablo" userId="713675c2-bab4-4c20-ae51-6cb24299fdbd" providerId="ADAL" clId="{CB2CE608-4B17-4114-A01E-68AB8ADD06B6}" dt="2022-03-24T07:24:16.772" v="790" actId="47"/>
+      <pc:docMkLst>
+        <pc:docMk/>
+      </pc:docMkLst>
+      <pc:sldChg chg="modSp add mod">
+        <pc:chgData name="Jimenez Martinez, Pablo" userId="713675c2-bab4-4c20-ae51-6cb24299fdbd" providerId="ADAL" clId="{CB2CE608-4B17-4114-A01E-68AB8ADD06B6}" dt="2022-03-23T11:49:21.690" v="88" actId="1035"/>
+        <pc:sldMkLst>
+          <pc:docMk/>
+          <pc:sldMk cId="0" sldId="275"/>
+        </pc:sldMkLst>
+        <pc:spChg chg="mod">
+          <ac:chgData name="Jimenez Martinez, Pablo" userId="713675c2-bab4-4c20-ae51-6cb24299fdbd" providerId="ADAL" clId="{CB2CE608-4B17-4114-A01E-68AB8ADD06B6}" dt="2022-03-23T11:49:21.042" v="87" actId="1036"/>
+          <ac:spMkLst>
+            <pc:docMk/>
+            <pc:sldMk cId="0" sldId="275"/>
+            <ac:spMk id="196" creationId="{00000000-0000-0000-0000-000000000000}"/>
+          </ac:spMkLst>
+        </pc:spChg>
+        <pc:picChg chg="mod">
+          <ac:chgData name="Jimenez Martinez, Pablo" userId="713675c2-bab4-4c20-ae51-6cb24299fdbd" providerId="ADAL" clId="{CB2CE608-4B17-4114-A01E-68AB8ADD06B6}" dt="2022-03-23T11:49:21.690" v="88" actId="1035"/>
+          <ac:picMkLst>
+            <pc:docMk/>
+            <pc:sldMk cId="0" sldId="275"/>
+            <ac:picMk id="4098" creationId="{00000000-0000-0000-0000-000000000000}"/>
+          </ac:picMkLst>
+        </pc:picChg>
+      </pc:sldChg>
+      <pc:sldChg chg="modSp add mod">
+        <pc:chgData name="Jimenez Martinez, Pablo" userId="713675c2-bab4-4c20-ae51-6cb24299fdbd" providerId="ADAL" clId="{CB2CE608-4B17-4114-A01E-68AB8ADD06B6}" dt="2022-03-23T11:57:30.180" v="415" actId="20577"/>
+        <pc:sldMkLst>
+          <pc:docMk/>
+          <pc:sldMk cId="2871526943" sldId="276"/>
+        </pc:sldMkLst>
+        <pc:spChg chg="mod">
+          <ac:chgData name="Jimenez Martinez, Pablo" userId="713675c2-bab4-4c20-ae51-6cb24299fdbd" providerId="ADAL" clId="{CB2CE608-4B17-4114-A01E-68AB8ADD06B6}" dt="2022-03-23T11:57:30.180" v="415" actId="20577"/>
+          <ac:spMkLst>
+            <pc:docMk/>
+            <pc:sldMk cId="2871526943" sldId="276"/>
+            <ac:spMk id="196" creationId="{00000000-0000-0000-0000-000000000000}"/>
+          </ac:spMkLst>
+        </pc:spChg>
+      </pc:sldChg>
+      <pc:sldChg chg="modSp add mod">
+        <pc:chgData name="Jimenez Martinez, Pablo" userId="713675c2-bab4-4c20-ae51-6cb24299fdbd" providerId="ADAL" clId="{CB2CE608-4B17-4114-A01E-68AB8ADD06B6}" dt="2022-03-23T15:31:01.066" v="785" actId="1035"/>
+        <pc:sldMkLst>
+          <pc:docMk/>
+          <pc:sldMk cId="469566384" sldId="277"/>
+        </pc:sldMkLst>
+        <pc:spChg chg="mod">
+          <ac:chgData name="Jimenez Martinez, Pablo" userId="713675c2-bab4-4c20-ae51-6cb24299fdbd" providerId="ADAL" clId="{CB2CE608-4B17-4114-A01E-68AB8ADD06B6}" dt="2022-03-23T15:30:55.260" v="778" actId="6549"/>
+          <ac:spMkLst>
+            <pc:docMk/>
+            <pc:sldMk cId="469566384" sldId="277"/>
+            <ac:spMk id="196" creationId="{00000000-0000-0000-0000-000000000000}"/>
+          </ac:spMkLst>
+        </pc:spChg>
+        <pc:picChg chg="mod">
+          <ac:chgData name="Jimenez Martinez, Pablo" userId="713675c2-bab4-4c20-ae51-6cb24299fdbd" providerId="ADAL" clId="{CB2CE608-4B17-4114-A01E-68AB8ADD06B6}" dt="2022-03-23T15:31:01.066" v="785" actId="1035"/>
+          <ac:picMkLst>
+            <pc:docMk/>
+            <pc:sldMk cId="469566384" sldId="277"/>
+            <ac:picMk id="2050" creationId="{00000000-0000-0000-0000-000000000000}"/>
+          </ac:picMkLst>
+        </pc:picChg>
+      </pc:sldChg>
+      <pc:sldChg chg="modSp add mod">
+        <pc:chgData name="Jimenez Martinez, Pablo" userId="713675c2-bab4-4c20-ae51-6cb24299fdbd" providerId="ADAL" clId="{CB2CE608-4B17-4114-A01E-68AB8ADD06B6}" dt="2022-03-23T11:58:35.728" v="461" actId="6549"/>
+        <pc:sldMkLst>
+          <pc:docMk/>
+          <pc:sldMk cId="223235735" sldId="278"/>
+        </pc:sldMkLst>
+        <pc:spChg chg="mod">
+          <ac:chgData name="Jimenez Martinez, Pablo" userId="713675c2-bab4-4c20-ae51-6cb24299fdbd" providerId="ADAL" clId="{CB2CE608-4B17-4114-A01E-68AB8ADD06B6}" dt="2022-03-23T11:58:35.728" v="461" actId="6549"/>
+          <ac:spMkLst>
+            <pc:docMk/>
+            <pc:sldMk cId="223235735" sldId="278"/>
+            <ac:spMk id="196" creationId="{00000000-0000-0000-0000-000000000000}"/>
+          </ac:spMkLst>
+        </pc:spChg>
+      </pc:sldChg>
+      <pc:sldChg chg="addSp modSp del mod">
+        <pc:chgData name="Jimenez Martinez, Pablo" userId="713675c2-bab4-4c20-ae51-6cb24299fdbd" providerId="ADAL" clId="{CB2CE608-4B17-4114-A01E-68AB8ADD06B6}" dt="2022-03-24T07:24:16.772" v="790" actId="47"/>
+        <pc:sldMkLst>
+          <pc:docMk/>
+          <pc:sldMk cId="3138233843" sldId="296"/>
+        </pc:sldMkLst>
+        <pc:spChg chg="add mod">
+          <ac:chgData name="Jimenez Martinez, Pablo" userId="713675c2-bab4-4c20-ae51-6cb24299fdbd" providerId="ADAL" clId="{CB2CE608-4B17-4114-A01E-68AB8ADD06B6}" dt="2022-03-23T12:02:43.024" v="767" actId="1076"/>
+          <ac:spMkLst>
+            <pc:docMk/>
+            <pc:sldMk cId="3138233843" sldId="296"/>
+            <ac:spMk id="3" creationId="{697D6FE8-8B49-4650-8D14-860460D492B4}"/>
+          </ac:spMkLst>
+        </pc:spChg>
+      </pc:sldChg>
+      <pc:sldChg chg="delSp modSp mod">
+        <pc:chgData name="Jimenez Martinez, Pablo" userId="713675c2-bab4-4c20-ae51-6cb24299fdbd" providerId="ADAL" clId="{CB2CE608-4B17-4114-A01E-68AB8ADD06B6}" dt="2022-03-23T11:48:20.895" v="52" actId="1038"/>
+        <pc:sldMkLst>
+          <pc:docMk/>
+          <pc:sldMk cId="1068206032" sldId="538"/>
+        </pc:sldMkLst>
+        <pc:spChg chg="mod">
+          <ac:chgData name="Jimenez Martinez, Pablo" userId="713675c2-bab4-4c20-ae51-6cb24299fdbd" providerId="ADAL" clId="{CB2CE608-4B17-4114-A01E-68AB8ADD06B6}" dt="2022-03-23T11:48:05.250" v="30" actId="20577"/>
+          <ac:spMkLst>
+            <pc:docMk/>
+            <pc:sldMk cId="1068206032" sldId="538"/>
+            <ac:spMk id="5" creationId="{CDAD4CD6-0D42-4B53-A553-167F9F359564}"/>
+          </ac:spMkLst>
+        </pc:spChg>
+        <pc:spChg chg="mod">
+          <ac:chgData name="Jimenez Martinez, Pablo" userId="713675c2-bab4-4c20-ae51-6cb24299fdbd" providerId="ADAL" clId="{CB2CE608-4B17-4114-A01E-68AB8ADD06B6}" dt="2022-03-23T11:48:20.895" v="52" actId="1038"/>
+          <ac:spMkLst>
+            <pc:docMk/>
+            <pc:sldMk cId="1068206032" sldId="538"/>
+            <ac:spMk id="6" creationId="{A7836B60-AE10-4694-B8D8-4190ECFD8ED2}"/>
+          </ac:spMkLst>
+        </pc:spChg>
+        <pc:spChg chg="del">
+          <ac:chgData name="Jimenez Martinez, Pablo" userId="713675c2-bab4-4c20-ae51-6cb24299fdbd" providerId="ADAL" clId="{CB2CE608-4B17-4114-A01E-68AB8ADD06B6}" dt="2022-03-23T11:48:13.913" v="42" actId="478"/>
+          <ac:spMkLst>
+            <pc:docMk/>
+            <pc:sldMk cId="1068206032" sldId="538"/>
+            <ac:spMk id="8" creationId="{80A9FC94-A316-4D8B-818F-7CDE09F8747C}"/>
+          </ac:spMkLst>
+        </pc:spChg>
+      </pc:sldChg>
+      <pc:sldChg chg="del">
+        <pc:chgData name="Jimenez Martinez, Pablo" userId="713675c2-bab4-4c20-ae51-6cb24299fdbd" providerId="ADAL" clId="{CB2CE608-4B17-4114-A01E-68AB8ADD06B6}" dt="2022-03-23T11:49:24.987" v="89" actId="47"/>
+        <pc:sldMkLst>
+          <pc:docMk/>
+          <pc:sldMk cId="3614825301" sldId="558"/>
+        </pc:sldMkLst>
+      </pc:sldChg>
+      <pc:sldChg chg="del">
+        <pc:chgData name="Jimenez Martinez, Pablo" userId="713675c2-bab4-4c20-ae51-6cb24299fdbd" providerId="ADAL" clId="{CB2CE608-4B17-4114-A01E-68AB8ADD06B6}" dt="2022-03-23T11:49:27.997" v="91" actId="47"/>
+        <pc:sldMkLst>
+          <pc:docMk/>
+          <pc:sldMk cId="223235735" sldId="559"/>
+        </pc:sldMkLst>
+      </pc:sldChg>
+      <pc:sldChg chg="modSp mod">
+        <pc:chgData name="Jimenez Martinez, Pablo" userId="713675c2-bab4-4c20-ae51-6cb24299fdbd" providerId="ADAL" clId="{CB2CE608-4B17-4114-A01E-68AB8ADD06B6}" dt="2022-03-23T11:48:47.066" v="65" actId="6549"/>
+        <pc:sldMkLst>
+          <pc:docMk/>
+          <pc:sldMk cId="2773007854" sldId="572"/>
+        </pc:sldMkLst>
+        <pc:spChg chg="mod">
+          <ac:chgData name="Jimenez Martinez, Pablo" userId="713675c2-bab4-4c20-ae51-6cb24299fdbd" providerId="ADAL" clId="{CB2CE608-4B17-4114-A01E-68AB8ADD06B6}" dt="2022-03-23T11:48:47.066" v="65" actId="6549"/>
+          <ac:spMkLst>
+            <pc:docMk/>
+            <pc:sldMk cId="2773007854" sldId="572"/>
+            <ac:spMk id="6" creationId="{0BB40221-4A4C-4967-A2D2-883873C2B121}"/>
+          </ac:spMkLst>
+        </pc:spChg>
+      </pc:sldChg>
+      <pc:sldChg chg="modSp mod">
+        <pc:chgData name="Jimenez Martinez, Pablo" userId="713675c2-bab4-4c20-ae51-6cb24299fdbd" providerId="ADAL" clId="{CB2CE608-4B17-4114-A01E-68AB8ADD06B6}" dt="2022-03-23T12:01:20.458" v="709" actId="6549"/>
+        <pc:sldMkLst>
+          <pc:docMk/>
+          <pc:sldMk cId="4068828634" sldId="573"/>
+        </pc:sldMkLst>
+        <pc:spChg chg="mod">
+          <ac:chgData name="Jimenez Martinez, Pablo" userId="713675c2-bab4-4c20-ae51-6cb24299fdbd" providerId="ADAL" clId="{CB2CE608-4B17-4114-A01E-68AB8ADD06B6}" dt="2022-03-23T12:01:20.458" v="709" actId="6549"/>
+          <ac:spMkLst>
+            <pc:docMk/>
+            <pc:sldMk cId="4068828634" sldId="573"/>
+            <ac:spMk id="170" creationId="{00000000-0000-0000-0000-000000000000}"/>
+          </ac:spMkLst>
+        </pc:spChg>
+      </pc:sldChg>
+      <pc:sldChg chg="del">
+        <pc:chgData name="Jimenez Martinez, Pablo" userId="713675c2-bab4-4c20-ae51-6cb24299fdbd" providerId="ADAL" clId="{CB2CE608-4B17-4114-A01E-68AB8ADD06B6}" dt="2022-03-23T11:49:26.789" v="90" actId="47"/>
+        <pc:sldMkLst>
+          <pc:docMk/>
+          <pc:sldMk cId="3070921349" sldId="578"/>
+        </pc:sldMkLst>
+      </pc:sldChg>
+      <pc:sldChg chg="addSp modSp del">
+        <pc:chgData name="Jimenez Martinez, Pablo" userId="713675c2-bab4-4c20-ae51-6cb24299fdbd" providerId="ADAL" clId="{CB2CE608-4B17-4114-A01E-68AB8ADD06B6}" dt="2022-03-24T07:24:15.652" v="789" actId="47"/>
+        <pc:sldMkLst>
+          <pc:docMk/>
+          <pc:sldMk cId="1943026793" sldId="581"/>
+        </pc:sldMkLst>
+        <pc:spChg chg="add mod">
+          <ac:chgData name="Jimenez Martinez, Pablo" userId="713675c2-bab4-4c20-ae51-6cb24299fdbd" providerId="ADAL" clId="{CB2CE608-4B17-4114-A01E-68AB8ADD06B6}" dt="2022-03-23T12:02:47.101" v="768"/>
+          <ac:spMkLst>
+            <pc:docMk/>
+            <pc:sldMk cId="1943026793" sldId="581"/>
+            <ac:spMk id="16" creationId="{0A1EC8A3-A9CF-43C2-B191-FEC0FC5CC2C8}"/>
+          </ac:spMkLst>
+        </pc:spChg>
+      </pc:sldChg>
+      <pc:sldChg chg="addSp modSp del">
+        <pc:chgData name="Jimenez Martinez, Pablo" userId="713675c2-bab4-4c20-ae51-6cb24299fdbd" providerId="ADAL" clId="{CB2CE608-4B17-4114-A01E-68AB8ADD06B6}" dt="2022-03-24T07:24:14.836" v="788" actId="47"/>
+        <pc:sldMkLst>
+          <pc:docMk/>
+          <pc:sldMk cId="2227367454" sldId="583"/>
+        </pc:sldMkLst>
+        <pc:spChg chg="add mod">
+          <ac:chgData name="Jimenez Martinez, Pablo" userId="713675c2-bab4-4c20-ae51-6cb24299fdbd" providerId="ADAL" clId="{CB2CE608-4B17-4114-A01E-68AB8ADD06B6}" dt="2022-03-23T12:02:53.465" v="769"/>
+          <ac:spMkLst>
+            <pc:docMk/>
+            <pc:sldMk cId="2227367454" sldId="583"/>
+            <ac:spMk id="15" creationId="{F0C24E1F-20DD-448D-A403-12D6BF573BB8}"/>
+          </ac:spMkLst>
+        </pc:spChg>
+      </pc:sldChg>
+      <pc:sldChg chg="addSp modSp del">
+        <pc:chgData name="Jimenez Martinez, Pablo" userId="713675c2-bab4-4c20-ae51-6cb24299fdbd" providerId="ADAL" clId="{CB2CE608-4B17-4114-A01E-68AB8ADD06B6}" dt="2022-03-24T07:24:13.438" v="787" actId="47"/>
+        <pc:sldMkLst>
+          <pc:docMk/>
+          <pc:sldMk cId="833658107" sldId="584"/>
+        </pc:sldMkLst>
+        <pc:spChg chg="add mod">
+          <ac:chgData name="Jimenez Martinez, Pablo" userId="713675c2-bab4-4c20-ae51-6cb24299fdbd" providerId="ADAL" clId="{CB2CE608-4B17-4114-A01E-68AB8ADD06B6}" dt="2022-03-23T12:03:08.692" v="770"/>
+          <ac:spMkLst>
+            <pc:docMk/>
+            <pc:sldMk cId="833658107" sldId="584"/>
+            <ac:spMk id="21" creationId="{CB71DEBF-3C4B-427D-9AC4-62AA3625412B}"/>
+          </ac:spMkLst>
+        </pc:spChg>
+      </pc:sldChg>
+      <pc:sldChg chg="addSp modSp del">
+        <pc:chgData name="Jimenez Martinez, Pablo" userId="713675c2-bab4-4c20-ae51-6cb24299fdbd" providerId="ADAL" clId="{CB2CE608-4B17-4114-A01E-68AB8ADD06B6}" dt="2022-03-24T07:24:12.524" v="786" actId="47"/>
+        <pc:sldMkLst>
+          <pc:docMk/>
+          <pc:sldMk cId="3454759851" sldId="585"/>
+        </pc:sldMkLst>
+        <pc:spChg chg="add mod">
+          <ac:chgData name="Jimenez Martinez, Pablo" userId="713675c2-bab4-4c20-ae51-6cb24299fdbd" providerId="ADAL" clId="{CB2CE608-4B17-4114-A01E-68AB8ADD06B6}" dt="2022-03-23T12:03:11.855" v="771"/>
+          <ac:spMkLst>
+            <pc:docMk/>
+            <pc:sldMk cId="3454759851" sldId="585"/>
+            <ac:spMk id="15" creationId="{D2E11DD3-BA8F-409C-B3CF-ABE1F7115330}"/>
+          </ac:spMkLst>
+        </pc:spChg>
+      </pc:sldChg>
+    </pc:docChg>
+  </pc:docChgLst>
 </pc:chgInfo>
 </file>
 
@@ -1019,7 +1018,7 @@
             <a:fld id="{86C988DC-9DE3-4390-97AB-D61B85DACE57}" type="datetimeFigureOut">
               <a:rPr lang="pt-PT" smtClean="0"/>
               <a:pPr/>
-              <a:t>24/03/2022</a:t>
+              <a:t>20/09/2022</a:t>
             </a:fld>
             <a:endParaRPr lang="pt-PT"/>
           </a:p>
@@ -1198,7 +1197,7 @@
             <a:fld id="{0835B8F7-DAC4-4931-8AED-4356A8B2FD64}" type="datetimeFigureOut">
               <a:rPr lang="pt-BR" smtClean="0"/>
               <a:pPr/>
-              <a:t>24/03/2022</a:t>
+              <a:t>20/09/2022</a:t>
             </a:fld>
             <a:endParaRPr lang="pt-BR" dirty="0"/>
           </a:p>
@@ -3523,45 +3522,6 @@
           </a:prstGeom>
         </p:spPr>
       </p:pic>
-      <p:pic>
-        <p:nvPicPr>
-          <p:cNvPr id="5" name="Graphic 9">
-            <a:extLst>
-              <a:ext uri="{FF2B5EF4-FFF2-40B4-BE49-F238E27FC236}">
-                <a16:creationId xmlns:a16="http://schemas.microsoft.com/office/drawing/2014/main" id="{C3D2EC56-D17C-4A75-8178-C69397BC7353}"/>
-              </a:ext>
-            </a:extLst>
-          </p:cNvPr>
-          <p:cNvPicPr>
-            <a:picLocks noChangeAspect="1"/>
-          </p:cNvPicPr>
-          <p:nvPr userDrawn="1"/>
-        </p:nvPicPr>
-        <p:blipFill>
-          <a:blip r:embed="rId4" cstate="print">
-            <a:extLst>
-              <a:ext uri="{28A0092B-C50C-407E-A947-70E740481C1C}">
-                <a14:useLocalDpi xmlns:a14="http://schemas.microsoft.com/office/drawing/2010/main" val="0"/>
-              </a:ext>
-              <a:ext uri="{96DAC541-7B7A-43D3-8B79-37D633B846F1}">
-                <asvg:svgBlip xmlns:asvg="http://schemas.microsoft.com/office/drawing/2016/SVG/main" r:embed="rId5"/>
-              </a:ext>
-            </a:extLst>
-          </a:blip>
-          <a:stretch>
-            <a:fillRect/>
-          </a:stretch>
-        </p:blipFill>
-        <p:spPr>
-          <a:xfrm>
-            <a:off x="407988" y="404813"/>
-            <a:ext cx="2286000" cy="510013"/>
-          </a:xfrm>
-          <a:prstGeom prst="rect">
-            <a:avLst/>
-          </a:prstGeom>
-        </p:spPr>
-      </p:pic>
       <p:sp>
         <p:nvSpPr>
           <p:cNvPr id="14" name="Text Placeholder 13">
@@ -3753,1269 +3713,6 @@
 </file>
 
 <file path=ppt/slideLayouts/slideLayout3.xml><?xml version="1.0" encoding="utf-8"?>
-<p:sldLayout xmlns:a="http://schemas.openxmlformats.org/drawingml/2006/main" xmlns:r="http://schemas.openxmlformats.org/officeDocument/2006/relationships" xmlns:p="http://schemas.openxmlformats.org/presentationml/2006/main" userDrawn="1">
-  <p:cSld name="Closing1">
-    <p:spTree>
-      <p:nvGrpSpPr>
-        <p:cNvPr id="1" name=""/>
-        <p:cNvGrpSpPr/>
-        <p:nvPr/>
-      </p:nvGrpSpPr>
-      <p:grpSpPr>
-        <a:xfrm>
-          <a:off x="0" y="0"/>
-          <a:ext cx="0" cy="0"/>
-          <a:chOff x="0" y="0"/>
-          <a:chExt cx="0" cy="0"/>
-        </a:xfrm>
-      </p:grpSpPr>
-      <p:sp>
-        <p:nvSpPr>
-          <p:cNvPr id="7" name="Rectangle 6"/>
-          <p:cNvSpPr/>
-          <p:nvPr userDrawn="1"/>
-        </p:nvSpPr>
-        <p:spPr>
-          <a:xfrm>
-            <a:off x="0" y="0"/>
-            <a:ext cx="12192000" cy="6858000"/>
-          </a:xfrm>
-          <a:prstGeom prst="rect">
-            <a:avLst/>
-          </a:prstGeom>
-          <a:solidFill>
-            <a:schemeClr val="bg2"/>
-          </a:solidFill>
-          <a:ln>
-            <a:noFill/>
-          </a:ln>
-        </p:spPr>
-        <p:style>
-          <a:lnRef idx="2">
-            <a:schemeClr val="accent1">
-              <a:shade val="50000"/>
-            </a:schemeClr>
-          </a:lnRef>
-          <a:fillRef idx="1">
-            <a:schemeClr val="accent1"/>
-          </a:fillRef>
-          <a:effectRef idx="0">
-            <a:schemeClr val="accent1"/>
-          </a:effectRef>
-          <a:fontRef idx="minor">
-            <a:schemeClr val="lt1"/>
-          </a:fontRef>
-        </p:style>
-        <p:txBody>
-          <a:bodyPr rtlCol="0" anchor="ctr"/>
-          <a:lstStyle/>
-          <a:p>
-            <a:pPr algn="ctr"/>
-            <a:endParaRPr lang="en-US" dirty="0"/>
-          </a:p>
-        </p:txBody>
-      </p:sp>
-      <p:sp>
-        <p:nvSpPr>
-          <p:cNvPr id="8" name="Freeform 5"/>
-          <p:cNvSpPr>
-            <a:spLocks/>
-          </p:cNvSpPr>
-          <p:nvPr userDrawn="1"/>
-        </p:nvSpPr>
-        <p:spPr bwMode="auto">
-          <a:xfrm>
-            <a:off x="-1243012" y="-2656920"/>
-            <a:ext cx="10768012" cy="11443496"/>
-          </a:xfrm>
-          <a:custGeom>
-            <a:avLst/>
-            <a:gdLst>
-              <a:gd name="T0" fmla="*/ 854 w 3407"/>
-              <a:gd name="T1" fmla="*/ 0 h 3621"/>
-              <a:gd name="T2" fmla="*/ 0 w 3407"/>
-              <a:gd name="T3" fmla="*/ 0 h 3621"/>
-              <a:gd name="T4" fmla="*/ 0 w 3407"/>
-              <a:gd name="T5" fmla="*/ 3621 h 3621"/>
-              <a:gd name="T6" fmla="*/ 3407 w 3407"/>
-              <a:gd name="T7" fmla="*/ 3621 h 3621"/>
-              <a:gd name="T8" fmla="*/ 3407 w 3407"/>
-              <a:gd name="T9" fmla="*/ 3617 h 3621"/>
-              <a:gd name="T10" fmla="*/ 179 w 3407"/>
-              <a:gd name="T11" fmla="*/ 3617 h 3621"/>
-              <a:gd name="T12" fmla="*/ 2096 w 3407"/>
-              <a:gd name="T13" fmla="*/ 1606 h 3621"/>
-              <a:gd name="T14" fmla="*/ 854 w 3407"/>
-              <a:gd name="T15" fmla="*/ 0 h 3621"/>
-            </a:gdLst>
-            <a:ahLst/>
-            <a:cxnLst>
-              <a:cxn ang="0">
-                <a:pos x="T0" y="T1"/>
-              </a:cxn>
-              <a:cxn ang="0">
-                <a:pos x="T2" y="T3"/>
-              </a:cxn>
-              <a:cxn ang="0">
-                <a:pos x="T4" y="T5"/>
-              </a:cxn>
-              <a:cxn ang="0">
-                <a:pos x="T6" y="T7"/>
-              </a:cxn>
-              <a:cxn ang="0">
-                <a:pos x="T8" y="T9"/>
-              </a:cxn>
-              <a:cxn ang="0">
-                <a:pos x="T10" y="T11"/>
-              </a:cxn>
-              <a:cxn ang="0">
-                <a:pos x="T12" y="T13"/>
-              </a:cxn>
-              <a:cxn ang="0">
-                <a:pos x="T14" y="T15"/>
-              </a:cxn>
-            </a:cxnLst>
-            <a:rect l="0" t="0" r="r" b="b"/>
-            <a:pathLst>
-              <a:path w="3407" h="3621">
-                <a:moveTo>
-                  <a:pt x="854" y="0"/>
-                </a:moveTo>
-                <a:cubicBezTo>
-                  <a:pt x="0" y="0"/>
-                  <a:pt x="0" y="0"/>
-                  <a:pt x="0" y="0"/>
-                </a:cubicBezTo>
-                <a:cubicBezTo>
-                  <a:pt x="0" y="3621"/>
-                  <a:pt x="0" y="3621"/>
-                  <a:pt x="0" y="3621"/>
-                </a:cubicBezTo>
-                <a:cubicBezTo>
-                  <a:pt x="3407" y="3621"/>
-                  <a:pt x="3407" y="3621"/>
-                  <a:pt x="3407" y="3621"/>
-                </a:cubicBezTo>
-                <a:cubicBezTo>
-                  <a:pt x="3407" y="3617"/>
-                  <a:pt x="3407" y="3617"/>
-                  <a:pt x="3407" y="3617"/>
-                </a:cubicBezTo>
-                <a:cubicBezTo>
-                  <a:pt x="179" y="3617"/>
-                  <a:pt x="179" y="3617"/>
-                  <a:pt x="179" y="3617"/>
-                </a:cubicBezTo>
-                <a:cubicBezTo>
-                  <a:pt x="2551" y="2996"/>
-                  <a:pt x="2421" y="1729"/>
-                  <a:pt x="2096" y="1606"/>
-                </a:cubicBezTo>
-                <a:cubicBezTo>
-                  <a:pt x="2281" y="2130"/>
-                  <a:pt x="865" y="1627"/>
-                  <a:pt x="854" y="0"/>
-                </a:cubicBezTo>
-              </a:path>
-            </a:pathLst>
-          </a:custGeom>
-          <a:solidFill>
-            <a:srgbClr val="300B48"/>
-          </a:solidFill>
-          <a:ln>
-            <a:noFill/>
-          </a:ln>
-          <a:extLst>
-            <a:ext uri="{91240B29-F687-4F45-9708-019B960494DF}">
-              <a14:hiddenLine xmlns:a14="http://schemas.microsoft.com/office/drawing/2010/main" w="9525">
-                <a:solidFill>
-                  <a:srgbClr val="000000"/>
-                </a:solidFill>
-                <a:round/>
-                <a:headEnd/>
-                <a:tailEnd/>
-              </a14:hiddenLine>
-            </a:ext>
-          </a:extLst>
-        </p:spPr>
-        <p:txBody>
-          <a:bodyPr vert="horz" wrap="square" lIns="91440" tIns="45720" rIns="91440" bIns="45720" numCol="1" anchor="t" anchorCtr="0" compatLnSpc="1">
-            <a:prstTxWarp prst="textNoShape">
-              <a:avLst/>
-            </a:prstTxWarp>
-          </a:bodyPr>
-          <a:lstStyle/>
-          <a:p>
-            <a:endParaRPr lang="en-US" dirty="0"/>
-          </a:p>
-        </p:txBody>
-      </p:sp>
-      <p:grpSp>
-        <p:nvGrpSpPr>
-          <p:cNvPr id="9" name="Group 8"/>
-          <p:cNvGrpSpPr/>
-          <p:nvPr userDrawn="1"/>
-        </p:nvGrpSpPr>
-        <p:grpSpPr>
-          <a:xfrm>
-            <a:off x="4979035" y="2404110"/>
-            <a:ext cx="735013" cy="682321"/>
-            <a:chOff x="5662614" y="3032124"/>
-            <a:chExt cx="863600" cy="801689"/>
-          </a:xfrm>
-        </p:grpSpPr>
-        <p:sp>
-          <p:nvSpPr>
-            <p:cNvPr id="10" name="Freeform 9"/>
-            <p:cNvSpPr>
-              <a:spLocks/>
-            </p:cNvSpPr>
-            <p:nvPr/>
-          </p:nvSpPr>
-          <p:spPr bwMode="auto">
-            <a:xfrm>
-              <a:off x="5959476" y="3368675"/>
-              <a:ext cx="566738" cy="465138"/>
-            </a:xfrm>
-            <a:custGeom>
-              <a:avLst/>
-              <a:gdLst>
-                <a:gd name="T0" fmla="*/ 99 w 149"/>
-                <a:gd name="T1" fmla="*/ 85 h 122"/>
-                <a:gd name="T2" fmla="*/ 149 w 149"/>
-                <a:gd name="T3" fmla="*/ 34 h 122"/>
-                <a:gd name="T4" fmla="*/ 112 w 149"/>
-                <a:gd name="T5" fmla="*/ 0 h 122"/>
-                <a:gd name="T6" fmla="*/ 39 w 149"/>
-                <a:gd name="T7" fmla="*/ 78 h 122"/>
-                <a:gd name="T8" fmla="*/ 0 w 149"/>
-                <a:gd name="T9" fmla="*/ 114 h 122"/>
-                <a:gd name="T10" fmla="*/ 29 w 149"/>
-                <a:gd name="T11" fmla="*/ 122 h 122"/>
-                <a:gd name="T12" fmla="*/ 99 w 149"/>
-                <a:gd name="T13" fmla="*/ 99 h 122"/>
-                <a:gd name="T14" fmla="*/ 64 w 149"/>
-                <a:gd name="T15" fmla="*/ 68 h 122"/>
-                <a:gd name="T16" fmla="*/ 99 w 149"/>
-                <a:gd name="T17" fmla="*/ 85 h 122"/>
-              </a:gdLst>
-              <a:ahLst/>
-              <a:cxnLst>
-                <a:cxn ang="0">
-                  <a:pos x="T0" y="T1"/>
-                </a:cxn>
-                <a:cxn ang="0">
-                  <a:pos x="T2" y="T3"/>
-                </a:cxn>
-                <a:cxn ang="0">
-                  <a:pos x="T4" y="T5"/>
-                </a:cxn>
-                <a:cxn ang="0">
-                  <a:pos x="T6" y="T7"/>
-                </a:cxn>
-                <a:cxn ang="0">
-                  <a:pos x="T8" y="T9"/>
-                </a:cxn>
-                <a:cxn ang="0">
-                  <a:pos x="T10" y="T11"/>
-                </a:cxn>
-                <a:cxn ang="0">
-                  <a:pos x="T12" y="T13"/>
-                </a:cxn>
-                <a:cxn ang="0">
-                  <a:pos x="T14" y="T15"/>
-                </a:cxn>
-                <a:cxn ang="0">
-                  <a:pos x="T16" y="T17"/>
-                </a:cxn>
-              </a:cxnLst>
-              <a:rect l="0" t="0" r="r" b="b"/>
-              <a:pathLst>
-                <a:path w="149" h="122">
-                  <a:moveTo>
-                    <a:pt x="99" y="85"/>
-                  </a:moveTo>
-                  <a:cubicBezTo>
-                    <a:pt x="127" y="85"/>
-                    <a:pt x="149" y="62"/>
-                    <a:pt x="149" y="34"/>
-                  </a:cubicBezTo>
-                  <a:cubicBezTo>
-                    <a:pt x="147" y="22"/>
-                    <a:pt x="143" y="0"/>
-                    <a:pt x="112" y="0"/>
-                  </a:cubicBezTo>
-                  <a:cubicBezTo>
-                    <a:pt x="78" y="0"/>
-                    <a:pt x="67" y="48"/>
-                    <a:pt x="39" y="78"/>
-                  </a:cubicBezTo>
-                  <a:cubicBezTo>
-                    <a:pt x="37" y="96"/>
-                    <a:pt x="20" y="111"/>
-                    <a:pt x="0" y="114"/>
-                  </a:cubicBezTo>
-                  <a:cubicBezTo>
-                    <a:pt x="5" y="119"/>
-                    <a:pt x="16" y="122"/>
-                    <a:pt x="29" y="122"/>
-                  </a:cubicBezTo>
-                  <a:cubicBezTo>
-                    <a:pt x="54" y="122"/>
-                    <a:pt x="84" y="115"/>
-                    <a:pt x="99" y="99"/>
-                  </a:cubicBezTo>
-                  <a:cubicBezTo>
-                    <a:pt x="78" y="100"/>
-                    <a:pt x="65" y="86"/>
-                    <a:pt x="64" y="68"/>
-                  </a:cubicBezTo>
-                  <a:cubicBezTo>
-                    <a:pt x="74" y="80"/>
-                    <a:pt x="85" y="85"/>
-                    <a:pt x="99" y="85"/>
-                  </a:cubicBezTo>
-                </a:path>
-              </a:pathLst>
-            </a:custGeom>
-            <a:solidFill>
-              <a:srgbClr val="00B0DF"/>
-            </a:solidFill>
-            <a:ln>
-              <a:noFill/>
-            </a:ln>
-            <a:extLst>
-              <a:ext uri="{91240B29-F687-4F45-9708-019B960494DF}">
-                <a14:hiddenLine xmlns:a14="http://schemas.microsoft.com/office/drawing/2010/main" w="9525">
-                  <a:solidFill>
-                    <a:srgbClr val="000000"/>
-                  </a:solidFill>
-                  <a:round/>
-                  <a:headEnd/>
-                  <a:tailEnd/>
-                </a14:hiddenLine>
-              </a:ext>
-            </a:extLst>
-          </p:spPr>
-          <p:txBody>
-            <a:bodyPr vert="horz" wrap="square" lIns="91440" tIns="45720" rIns="91440" bIns="45720" numCol="1" anchor="t" anchorCtr="0" compatLnSpc="1">
-              <a:prstTxWarp prst="textNoShape">
-                <a:avLst/>
-              </a:prstTxWarp>
-            </a:bodyPr>
-            <a:lstStyle/>
-            <a:p>
-              <a:endParaRPr lang="en-US" dirty="0"/>
-            </a:p>
-          </p:txBody>
-        </p:sp>
-        <p:sp>
-          <p:nvSpPr>
-            <p:cNvPr id="13" name="Freeform 12"/>
-            <p:cNvSpPr>
-              <a:spLocks/>
-            </p:cNvSpPr>
-            <p:nvPr/>
-          </p:nvSpPr>
-          <p:spPr bwMode="auto">
-            <a:xfrm>
-              <a:off x="5662614" y="3032124"/>
-              <a:ext cx="863600" cy="736599"/>
-            </a:xfrm>
-            <a:custGeom>
-              <a:avLst/>
-              <a:gdLst>
-                <a:gd name="T0" fmla="*/ 227 w 227"/>
-                <a:gd name="T1" fmla="*/ 120 h 193"/>
-                <a:gd name="T2" fmla="*/ 188 w 227"/>
-                <a:gd name="T3" fmla="*/ 40 h 193"/>
-                <a:gd name="T4" fmla="*/ 127 w 227"/>
-                <a:gd name="T5" fmla="*/ 3 h 193"/>
-                <a:gd name="T6" fmla="*/ 122 w 227"/>
-                <a:gd name="T7" fmla="*/ 0 h 193"/>
-                <a:gd name="T8" fmla="*/ 122 w 227"/>
-                <a:gd name="T9" fmla="*/ 0 h 193"/>
-                <a:gd name="T10" fmla="*/ 0 w 227"/>
-                <a:gd name="T11" fmla="*/ 125 h 193"/>
-                <a:gd name="T12" fmla="*/ 42 w 227"/>
-                <a:gd name="T13" fmla="*/ 187 h 193"/>
-                <a:gd name="T14" fmla="*/ 85 w 227"/>
-                <a:gd name="T15" fmla="*/ 188 h 193"/>
-                <a:gd name="T16" fmla="*/ 117 w 227"/>
-                <a:gd name="T17" fmla="*/ 166 h 193"/>
-                <a:gd name="T18" fmla="*/ 190 w 227"/>
-                <a:gd name="T19" fmla="*/ 88 h 193"/>
-                <a:gd name="T20" fmla="*/ 227 w 227"/>
-                <a:gd name="T21" fmla="*/ 122 h 193"/>
-                <a:gd name="T22" fmla="*/ 227 w 227"/>
-                <a:gd name="T23" fmla="*/ 120 h 193"/>
-              </a:gdLst>
-              <a:ahLst/>
-              <a:cxnLst>
-                <a:cxn ang="0">
-                  <a:pos x="T0" y="T1"/>
-                </a:cxn>
-                <a:cxn ang="0">
-                  <a:pos x="T2" y="T3"/>
-                </a:cxn>
-                <a:cxn ang="0">
-                  <a:pos x="T4" y="T5"/>
-                </a:cxn>
-                <a:cxn ang="0">
-                  <a:pos x="T6" y="T7"/>
-                </a:cxn>
-                <a:cxn ang="0">
-                  <a:pos x="T8" y="T9"/>
-                </a:cxn>
-                <a:cxn ang="0">
-                  <a:pos x="T10" y="T11"/>
-                </a:cxn>
-                <a:cxn ang="0">
-                  <a:pos x="T12" y="T13"/>
-                </a:cxn>
-                <a:cxn ang="0">
-                  <a:pos x="T14" y="T15"/>
-                </a:cxn>
-                <a:cxn ang="0">
-                  <a:pos x="T16" y="T17"/>
-                </a:cxn>
-                <a:cxn ang="0">
-                  <a:pos x="T18" y="T19"/>
-                </a:cxn>
-                <a:cxn ang="0">
-                  <a:pos x="T20" y="T21"/>
-                </a:cxn>
-                <a:cxn ang="0">
-                  <a:pos x="T22" y="T23"/>
-                </a:cxn>
-              </a:cxnLst>
-              <a:rect l="0" t="0" r="r" b="b"/>
-              <a:pathLst>
-                <a:path w="227" h="193">
-                  <a:moveTo>
-                    <a:pt x="227" y="120"/>
-                  </a:moveTo>
-                  <a:cubicBezTo>
-                    <a:pt x="226" y="89"/>
-                    <a:pt x="211" y="62"/>
-                    <a:pt x="188" y="40"/>
-                  </a:cubicBezTo>
-                  <a:cubicBezTo>
-                    <a:pt x="170" y="24"/>
-                    <a:pt x="149" y="12"/>
-                    <a:pt x="127" y="3"/>
-                  </a:cubicBezTo>
-                  <a:cubicBezTo>
-                    <a:pt x="125" y="2"/>
-                    <a:pt x="123" y="1"/>
-                    <a:pt x="122" y="0"/>
-                  </a:cubicBezTo>
-                  <a:cubicBezTo>
-                    <a:pt x="122" y="0"/>
-                    <a:pt x="122" y="0"/>
-                    <a:pt x="122" y="0"/>
-                  </a:cubicBezTo>
-                  <a:cubicBezTo>
-                    <a:pt x="94" y="33"/>
-                    <a:pt x="0" y="57"/>
-                    <a:pt x="0" y="125"/>
-                  </a:cubicBezTo>
-                  <a:cubicBezTo>
-                    <a:pt x="0" y="152"/>
-                    <a:pt x="17" y="177"/>
-                    <a:pt x="42" y="187"/>
-                  </a:cubicBezTo>
-                  <a:cubicBezTo>
-                    <a:pt x="56" y="193"/>
-                    <a:pt x="71" y="193"/>
-                    <a:pt x="85" y="188"/>
-                  </a:cubicBezTo>
-                  <a:cubicBezTo>
-                    <a:pt x="98" y="184"/>
-                    <a:pt x="108" y="176"/>
-                    <a:pt x="117" y="166"/>
-                  </a:cubicBezTo>
-                  <a:cubicBezTo>
-                    <a:pt x="145" y="136"/>
-                    <a:pt x="156" y="88"/>
-                    <a:pt x="190" y="88"/>
-                  </a:cubicBezTo>
-                  <a:cubicBezTo>
-                    <a:pt x="221" y="88"/>
-                    <a:pt x="225" y="110"/>
-                    <a:pt x="227" y="122"/>
-                  </a:cubicBezTo>
-                  <a:cubicBezTo>
-                    <a:pt x="227" y="122"/>
-                    <a:pt x="227" y="121"/>
-                    <a:pt x="227" y="120"/>
-                  </a:cubicBezTo>
-                </a:path>
-              </a:pathLst>
-            </a:custGeom>
-            <a:solidFill>
-              <a:srgbClr val="0075B1"/>
-            </a:solidFill>
-            <a:ln>
-              <a:noFill/>
-            </a:ln>
-            <a:extLst>
-              <a:ext uri="{91240B29-F687-4F45-9708-019B960494DF}">
-                <a14:hiddenLine xmlns:a14="http://schemas.microsoft.com/office/drawing/2010/main" w="9525">
-                  <a:solidFill>
-                    <a:srgbClr val="000000"/>
-                  </a:solidFill>
-                  <a:round/>
-                  <a:headEnd/>
-                  <a:tailEnd/>
-                </a14:hiddenLine>
-              </a:ext>
-            </a:extLst>
-          </p:spPr>
-          <p:txBody>
-            <a:bodyPr vert="horz" wrap="square" lIns="91440" tIns="45720" rIns="91440" bIns="45720" numCol="1" anchor="t" anchorCtr="0" compatLnSpc="1">
-              <a:prstTxWarp prst="textNoShape">
-                <a:avLst/>
-              </a:prstTxWarp>
-            </a:bodyPr>
-            <a:lstStyle/>
-            <a:p>
-              <a:endParaRPr lang="en-US" dirty="0"/>
-            </a:p>
-          </p:txBody>
-        </p:sp>
-      </p:grpSp>
-      <p:sp>
-        <p:nvSpPr>
-          <p:cNvPr id="14" name="Rectangle 13"/>
-          <p:cNvSpPr/>
-          <p:nvPr userDrawn="1"/>
-        </p:nvSpPr>
-        <p:spPr>
-          <a:xfrm>
-            <a:off x="6536184" y="2886346"/>
-            <a:ext cx="5125720" cy="770384"/>
-          </a:xfrm>
-          <a:prstGeom prst="rect">
-            <a:avLst/>
-          </a:prstGeom>
-          <a:noFill/>
-          <a:ln>
-            <a:noFill/>
-          </a:ln>
-        </p:spPr>
-        <p:style>
-          <a:lnRef idx="2">
-            <a:schemeClr val="accent1">
-              <a:shade val="50000"/>
-            </a:schemeClr>
-          </a:lnRef>
-          <a:fillRef idx="1">
-            <a:schemeClr val="accent1"/>
-          </a:fillRef>
-          <a:effectRef idx="0">
-            <a:schemeClr val="accent1"/>
-          </a:effectRef>
-          <a:fontRef idx="minor">
-            <a:schemeClr val="lt1"/>
-          </a:fontRef>
-        </p:style>
-        <p:txBody>
-          <a:bodyPr lIns="0" tIns="0" rIns="0" bIns="0" rtlCol="0" anchor="t"/>
-          <a:lstStyle/>
-          <a:p>
-            <a:pPr algn="just">
-              <a:lnSpc>
-                <a:spcPts val="1200"/>
-              </a:lnSpc>
-            </a:pPr>
-            <a:r>
-              <a:rPr lang="en-US" sz="900" dirty="0">
-                <a:solidFill>
-                  <a:schemeClr val="tx1"/>
-                </a:solidFill>
-              </a:rPr>
-              <a:t>With more than 190,000 people, Capgemini is present in over 40 countries and celebrates its 50th Anniversary year in 2017. A global leader in consulting, technology and outsourcing services, the Group reported 2016 global revenues of EUR 12.5 billion. Together with its clients, Capgemini creates and delivers business, technology and digital solutions that fit their needs, enabling them to achieve innovation and competitiveness. A deeply multicultural organization, Capgemini has developed its own way of working, </a:t>
-            </a:r>
-            <a:r>
-              <a:rPr lang="en-US" sz="900" dirty="0">
-                <a:solidFill>
-                  <a:schemeClr val="accent1"/>
-                </a:solidFill>
-              </a:rPr>
-              <a:t>the Collaborative Business Experience™</a:t>
-            </a:r>
-            <a:r>
-              <a:rPr lang="en-US" sz="900" dirty="0">
-                <a:solidFill>
-                  <a:schemeClr val="tx1"/>
-                </a:solidFill>
-              </a:rPr>
-              <a:t>, and draws on </a:t>
-            </a:r>
-            <a:r>
-              <a:rPr lang="en-US" sz="900" dirty="0">
-                <a:solidFill>
-                  <a:schemeClr val="accent1"/>
-                </a:solidFill>
-              </a:rPr>
-              <a:t>Rightshore</a:t>
-            </a:r>
-            <a:r>
-              <a:rPr lang="en-US" sz="900" baseline="30000" dirty="0">
-                <a:solidFill>
-                  <a:schemeClr val="accent1"/>
-                </a:solidFill>
-              </a:rPr>
-              <a:t>®</a:t>
-            </a:r>
-            <a:r>
-              <a:rPr lang="en-US" sz="900" dirty="0">
-                <a:solidFill>
-                  <a:schemeClr val="tx1"/>
-                </a:solidFill>
-              </a:rPr>
-              <a:t>, its worldwide delivery model.</a:t>
-            </a:r>
-          </a:p>
-        </p:txBody>
-      </p:sp>
-      <p:sp>
-        <p:nvSpPr>
-          <p:cNvPr id="15" name="Rectangle 14"/>
-          <p:cNvSpPr/>
-          <p:nvPr userDrawn="1"/>
-        </p:nvSpPr>
-        <p:spPr>
-          <a:xfrm>
-            <a:off x="6536184" y="2507082"/>
-            <a:ext cx="2219960" cy="229615"/>
-          </a:xfrm>
-          <a:prstGeom prst="rect">
-            <a:avLst/>
-          </a:prstGeom>
-          <a:noFill/>
-          <a:ln>
-            <a:noFill/>
-          </a:ln>
-        </p:spPr>
-        <p:style>
-          <a:lnRef idx="2">
-            <a:schemeClr val="accent1">
-              <a:shade val="50000"/>
-            </a:schemeClr>
-          </a:lnRef>
-          <a:fillRef idx="1">
-            <a:schemeClr val="accent1"/>
-          </a:fillRef>
-          <a:effectRef idx="0">
-            <a:schemeClr val="accent1"/>
-          </a:effectRef>
-          <a:fontRef idx="minor">
-            <a:schemeClr val="lt1"/>
-          </a:fontRef>
-        </p:style>
-        <p:txBody>
-          <a:bodyPr wrap="square" lIns="0" tIns="0" rIns="0" bIns="0" rtlCol="0" anchor="t">
-            <a:spAutoFit/>
-          </a:bodyPr>
-          <a:lstStyle/>
-          <a:p>
-            <a:pPr>
-              <a:lnSpc>
-                <a:spcPts val="2000"/>
-              </a:lnSpc>
-            </a:pPr>
-            <a:r>
-              <a:rPr lang="en-US" sz="1400" dirty="0">
-                <a:solidFill>
-                  <a:schemeClr val="accent1"/>
-                </a:solidFill>
-              </a:rPr>
-              <a:t>About Capgemini</a:t>
-            </a:r>
-          </a:p>
-        </p:txBody>
-      </p:sp>
-      <p:sp>
-        <p:nvSpPr>
-          <p:cNvPr id="16" name="Rectangle 15"/>
-          <p:cNvSpPr/>
-          <p:nvPr userDrawn="1"/>
-        </p:nvSpPr>
-        <p:spPr>
-          <a:xfrm>
-            <a:off x="6536184" y="4235826"/>
-            <a:ext cx="2057400" cy="407294"/>
-          </a:xfrm>
-          <a:prstGeom prst="rect">
-            <a:avLst/>
-          </a:prstGeom>
-          <a:noFill/>
-          <a:ln>
-            <a:noFill/>
-          </a:ln>
-        </p:spPr>
-        <p:style>
-          <a:lnRef idx="2">
-            <a:schemeClr val="accent1">
-              <a:shade val="50000"/>
-            </a:schemeClr>
-          </a:lnRef>
-          <a:fillRef idx="1">
-            <a:schemeClr val="accent1"/>
-          </a:fillRef>
-          <a:effectRef idx="0">
-            <a:schemeClr val="accent1"/>
-          </a:effectRef>
-          <a:fontRef idx="minor">
-            <a:schemeClr val="lt1"/>
-          </a:fontRef>
-        </p:style>
-        <p:txBody>
-          <a:bodyPr lIns="0" tIns="0" rIns="0" bIns="0" rtlCol="0" anchor="t"/>
-          <a:lstStyle/>
-          <a:p>
-            <a:pPr algn="just">
-              <a:lnSpc>
-                <a:spcPts val="1200"/>
-              </a:lnSpc>
-              <a:spcAft>
-                <a:spcPts val="600"/>
-              </a:spcAft>
-            </a:pPr>
-            <a:r>
-              <a:rPr lang="en-US" sz="900" dirty="0">
-                <a:solidFill>
-                  <a:schemeClr val="tx1"/>
-                </a:solidFill>
-              </a:rPr>
-              <a:t>Learn more about us at</a:t>
-            </a:r>
-          </a:p>
-          <a:p>
-            <a:pPr algn="just">
-              <a:lnSpc>
-                <a:spcPts val="1200"/>
-              </a:lnSpc>
-            </a:pPr>
-            <a:r>
-              <a:rPr lang="en-US" sz="1400" dirty="0">
-                <a:solidFill>
-                  <a:schemeClr val="accent2"/>
-                </a:solidFill>
-              </a:rPr>
-              <a:t>www.capgemini.com</a:t>
-            </a:r>
-          </a:p>
-        </p:txBody>
-      </p:sp>
-      <p:pic>
-        <p:nvPicPr>
-          <p:cNvPr id="17" name="Picture 2" descr="D:\My Work\Template\Icons\Social Media\LinkedIN.png">
-            <a:hlinkClick r:id="rId2"/>
-          </p:cNvPr>
-          <p:cNvPicPr>
-            <a:picLocks noChangeAspect="1" noChangeArrowheads="1"/>
-          </p:cNvPicPr>
-          <p:nvPr userDrawn="1"/>
-        </p:nvPicPr>
-        <p:blipFill>
-          <a:blip r:embed="rId3" cstate="print">
-            <a:extLst>
-              <a:ext uri="{28A0092B-C50C-407E-A947-70E740481C1C}">
-                <a14:useLocalDpi xmlns:a14="http://schemas.microsoft.com/office/drawing/2010/main" val="0"/>
-              </a:ext>
-            </a:extLst>
-          </a:blip>
-          <a:srcRect/>
-          <a:stretch>
-            <a:fillRect/>
-          </a:stretch>
-        </p:blipFill>
-        <p:spPr bwMode="auto">
-          <a:xfrm>
-            <a:off x="798415" y="3979258"/>
-            <a:ext cx="333195" cy="333195"/>
-          </a:xfrm>
-          <a:prstGeom prst="rect">
-            <a:avLst/>
-          </a:prstGeom>
-          <a:noFill/>
-        </p:spPr>
-      </p:pic>
-      <p:pic>
-        <p:nvPicPr>
-          <p:cNvPr id="18" name="Picture 4" descr="D:\My Work\Template\Icons\Social Media\SlideShare.png">
-            <a:hlinkClick r:id="rId4"/>
-          </p:cNvPr>
-          <p:cNvPicPr>
-            <a:picLocks noChangeAspect="1" noChangeArrowheads="1"/>
-          </p:cNvPicPr>
-          <p:nvPr userDrawn="1"/>
-        </p:nvPicPr>
-        <p:blipFill>
-          <a:blip r:embed="rId5" cstate="print">
-            <a:extLst>
-              <a:ext uri="{28A0092B-C50C-407E-A947-70E740481C1C}">
-                <a14:useLocalDpi xmlns:a14="http://schemas.microsoft.com/office/drawing/2010/main" val="0"/>
-              </a:ext>
-            </a:extLst>
-          </a:blip>
-          <a:srcRect/>
-          <a:stretch>
-            <a:fillRect/>
-          </a:stretch>
-        </p:blipFill>
-        <p:spPr bwMode="auto">
-          <a:xfrm>
-            <a:off x="1181792" y="3979258"/>
-            <a:ext cx="333195" cy="333195"/>
-          </a:xfrm>
-          <a:prstGeom prst="rect">
-            <a:avLst/>
-          </a:prstGeom>
-          <a:noFill/>
-        </p:spPr>
-      </p:pic>
-      <p:pic>
-        <p:nvPicPr>
-          <p:cNvPr id="19" name="Picture 5" descr="D:\My Work\Template\Icons\Social Media\Twitter.png">
-            <a:hlinkClick r:id="rId6"/>
-          </p:cNvPr>
-          <p:cNvPicPr>
-            <a:picLocks noChangeAspect="1" noChangeArrowheads="1"/>
-          </p:cNvPicPr>
-          <p:nvPr userDrawn="1"/>
-        </p:nvPicPr>
-        <p:blipFill>
-          <a:blip r:embed="rId7" cstate="print">
-            <a:extLst>
-              <a:ext uri="{28A0092B-C50C-407E-A947-70E740481C1C}">
-                <a14:useLocalDpi xmlns:a14="http://schemas.microsoft.com/office/drawing/2010/main" val="0"/>
-              </a:ext>
-            </a:extLst>
-          </a:blip>
-          <a:srcRect/>
-          <a:stretch>
-            <a:fillRect/>
-          </a:stretch>
-        </p:blipFill>
-        <p:spPr bwMode="auto">
-          <a:xfrm>
-            <a:off x="1565169" y="3979258"/>
-            <a:ext cx="333195" cy="333195"/>
-          </a:xfrm>
-          <a:prstGeom prst="rect">
-            <a:avLst/>
-          </a:prstGeom>
-          <a:noFill/>
-        </p:spPr>
-      </p:pic>
-      <p:pic>
-        <p:nvPicPr>
-          <p:cNvPr id="20" name="Picture 6" descr="D:\My Work\Template\Icons\Social Media\YouTube.png">
-            <a:hlinkClick r:id="rId8"/>
-          </p:cNvPr>
-          <p:cNvPicPr>
-            <a:picLocks noChangeAspect="1" noChangeArrowheads="1"/>
-          </p:cNvPicPr>
-          <p:nvPr userDrawn="1"/>
-        </p:nvPicPr>
-        <p:blipFill>
-          <a:blip r:embed="rId9" cstate="print">
-            <a:extLst>
-              <a:ext uri="{28A0092B-C50C-407E-A947-70E740481C1C}">
-                <a14:useLocalDpi xmlns:a14="http://schemas.microsoft.com/office/drawing/2010/main" val="0"/>
-              </a:ext>
-            </a:extLst>
-          </a:blip>
-          <a:srcRect/>
-          <a:stretch>
-            <a:fillRect/>
-          </a:stretch>
-        </p:blipFill>
-        <p:spPr bwMode="auto">
-          <a:xfrm>
-            <a:off x="1948545" y="3979258"/>
-            <a:ext cx="333195" cy="333195"/>
-          </a:xfrm>
-          <a:prstGeom prst="rect">
-            <a:avLst/>
-          </a:prstGeom>
-          <a:noFill/>
-        </p:spPr>
-      </p:pic>
-      <p:pic>
-        <p:nvPicPr>
-          <p:cNvPr id="21" name="Picture 7" descr="D:\My Work\Template\Icons\Social Media\Facebook.png">
-            <a:hlinkClick r:id="rId10"/>
-          </p:cNvPr>
-          <p:cNvPicPr>
-            <a:picLocks noChangeAspect="1" noChangeArrowheads="1"/>
-          </p:cNvPicPr>
-          <p:nvPr userDrawn="1"/>
-        </p:nvPicPr>
-        <p:blipFill>
-          <a:blip r:embed="rId11" cstate="print">
-            <a:extLst>
-              <a:ext uri="{28A0092B-C50C-407E-A947-70E740481C1C}">
-                <a14:useLocalDpi xmlns:a14="http://schemas.microsoft.com/office/drawing/2010/main" val="0"/>
-              </a:ext>
-            </a:extLst>
-          </a:blip>
-          <a:srcRect/>
-          <a:stretch>
-            <a:fillRect/>
-          </a:stretch>
-        </p:blipFill>
-        <p:spPr bwMode="auto">
-          <a:xfrm>
-            <a:off x="415038" y="3979258"/>
-            <a:ext cx="333195" cy="333195"/>
-          </a:xfrm>
-          <a:prstGeom prst="rect">
-            <a:avLst/>
-          </a:prstGeom>
-          <a:noFill/>
-        </p:spPr>
-      </p:pic>
-      <p:sp>
-        <p:nvSpPr>
-          <p:cNvPr id="23" name="Rectangle 22"/>
-          <p:cNvSpPr/>
-          <p:nvPr userDrawn="1"/>
-        </p:nvSpPr>
-        <p:spPr>
-          <a:xfrm>
-            <a:off x="415038" y="5640913"/>
-            <a:ext cx="4198620" cy="569387"/>
-          </a:xfrm>
-          <a:prstGeom prst="rect">
-            <a:avLst/>
-          </a:prstGeom>
-        </p:spPr>
-        <p:txBody>
-          <a:bodyPr wrap="square" lIns="0" tIns="0" rIns="0" bIns="0" anchor="b" anchorCtr="0">
-            <a:spAutoFit/>
-          </a:bodyPr>
-          <a:lstStyle/>
-          <a:p>
-            <a:pPr>
-              <a:spcAft>
-                <a:spcPts val="600"/>
-              </a:spcAft>
-            </a:pPr>
-            <a:r>
-              <a:rPr lang="en-US" sz="800" noProof="0" dirty="0">
-                <a:solidFill>
-                  <a:schemeClr val="bg1"/>
-                </a:solidFill>
-                <a:latin typeface="+mn-lt"/>
-                <a:cs typeface="Arial"/>
-              </a:rPr>
-              <a:t>This message contains information that may be privileged or confidential and is the property of the Capgemini Group.</a:t>
-            </a:r>
-            <a:br>
-              <a:rPr lang="en-US" sz="800" noProof="0" dirty="0">
-                <a:solidFill>
-                  <a:schemeClr val="bg1"/>
-                </a:solidFill>
-                <a:latin typeface="+mn-lt"/>
-                <a:cs typeface="Arial"/>
-              </a:rPr>
-            </a:br>
-            <a:r>
-              <a:rPr lang="en-US" sz="800" noProof="0" dirty="0">
-                <a:solidFill>
-                  <a:schemeClr val="bg1"/>
-                </a:solidFill>
-                <a:latin typeface="Arial"/>
-                <a:cs typeface="Arial"/>
-              </a:rPr>
-              <a:t>Copyright © 2017 Capgemini. All rights reserved.</a:t>
-            </a:r>
-          </a:p>
-          <a:p>
-            <a:pPr marL="0" marR="0" indent="0" defTabSz="957756" rtl="0" eaLnBrk="1" fontAlgn="auto" latinLnBrk="0" hangingPunct="1">
-              <a:lnSpc>
-                <a:spcPct val="100000"/>
-              </a:lnSpc>
-              <a:spcBef>
-                <a:spcPts val="0"/>
-              </a:spcBef>
-              <a:spcAft>
-                <a:spcPts val="600"/>
-              </a:spcAft>
-              <a:buClrTx/>
-              <a:buSzTx/>
-              <a:buFontTx/>
-              <a:buNone/>
-              <a:tabLst/>
-              <a:defRPr/>
-            </a:pPr>
-            <a:r>
-              <a:rPr lang="en-US" sz="800" noProof="0" dirty="0">
-                <a:solidFill>
-                  <a:schemeClr val="bg1"/>
-                </a:solidFill>
-                <a:latin typeface="Arial"/>
-                <a:cs typeface="Arial"/>
-              </a:rPr>
-              <a:t>Rightshore</a:t>
-            </a:r>
-            <a:r>
-              <a:rPr lang="en-US" sz="800" baseline="30000" noProof="0" dirty="0">
-                <a:solidFill>
-                  <a:schemeClr val="bg1"/>
-                </a:solidFill>
-                <a:latin typeface="Arial"/>
-                <a:cs typeface="Arial"/>
-              </a:rPr>
-              <a:t>®</a:t>
-            </a:r>
-            <a:r>
-              <a:rPr lang="en-US" sz="800" noProof="0" dirty="0">
-                <a:solidFill>
-                  <a:schemeClr val="bg1"/>
-                </a:solidFill>
-                <a:latin typeface="Arial"/>
-                <a:cs typeface="Arial"/>
-              </a:rPr>
-              <a:t> is a trademark belonging to Capgemini.</a:t>
-            </a:r>
-          </a:p>
-        </p:txBody>
-      </p:sp>
-      <p:sp>
-        <p:nvSpPr>
-          <p:cNvPr id="24" name="Rectangle 23"/>
-          <p:cNvSpPr/>
-          <p:nvPr userDrawn="1"/>
-        </p:nvSpPr>
-        <p:spPr>
-          <a:xfrm>
-            <a:off x="6536184" y="5933302"/>
-            <a:ext cx="5219699" cy="276999"/>
-          </a:xfrm>
-          <a:prstGeom prst="rect">
-            <a:avLst/>
-          </a:prstGeom>
-        </p:spPr>
-        <p:txBody>
-          <a:bodyPr wrap="square" lIns="0" tIns="0" rIns="0" bIns="0" anchor="b" anchorCtr="0">
-            <a:spAutoFit/>
-          </a:bodyPr>
-          <a:lstStyle/>
-          <a:p>
-            <a:pPr>
-              <a:spcAft>
-                <a:spcPts val="600"/>
-              </a:spcAft>
-            </a:pPr>
-            <a:r>
-              <a:rPr lang="en-US" sz="600" dirty="0">
-                <a:cs typeface="Arial"/>
-              </a:rPr>
-              <a:t>This message is intended only for the person to whom it is addressed. If you are not the intended recipient, you are not authorized to read, print, retain, copy, disseminate, distribute, or use this message or any part thereof. If you receive this message in error, please notify the sender immediately and delete all copies of this message. </a:t>
-            </a:r>
-          </a:p>
-        </p:txBody>
-      </p:sp>
-      <p:sp>
-        <p:nvSpPr>
-          <p:cNvPr id="25" name="Rectangle 24">
-            <a:hlinkClick r:id="rId12"/>
-          </p:cNvPr>
-          <p:cNvSpPr/>
-          <p:nvPr userDrawn="1"/>
-        </p:nvSpPr>
-        <p:spPr>
-          <a:xfrm>
-            <a:off x="7489902" y="3812094"/>
-            <a:ext cx="2336088" cy="124676"/>
-          </a:xfrm>
-          <a:prstGeom prst="rect">
-            <a:avLst/>
-          </a:prstGeom>
-          <a:solidFill>
-            <a:schemeClr val="accent2">
-              <a:alpha val="0"/>
-            </a:schemeClr>
-          </a:solidFill>
-          <a:ln>
-            <a:noFill/>
-          </a:ln>
-        </p:spPr>
-        <p:style>
-          <a:lnRef idx="2">
-            <a:schemeClr val="accent1">
-              <a:shade val="50000"/>
-            </a:schemeClr>
-          </a:lnRef>
-          <a:fillRef idx="1">
-            <a:schemeClr val="accent1"/>
-          </a:fillRef>
-          <a:effectRef idx="0">
-            <a:schemeClr val="accent1"/>
-          </a:effectRef>
-          <a:fontRef idx="minor">
-            <a:schemeClr val="lt1"/>
-          </a:fontRef>
-        </p:style>
-        <p:txBody>
-          <a:bodyPr rtlCol="0" anchor="ctr"/>
-          <a:lstStyle/>
-          <a:p>
-            <a:pPr algn="ctr"/>
-            <a:endParaRPr lang="en-GB" dirty="0"/>
-          </a:p>
-        </p:txBody>
-      </p:sp>
-      <p:sp>
-        <p:nvSpPr>
-          <p:cNvPr id="26" name="Rectangle 25">
-            <a:hlinkClick r:id="rId13"/>
-          </p:cNvPr>
-          <p:cNvSpPr/>
-          <p:nvPr userDrawn="1"/>
-        </p:nvSpPr>
-        <p:spPr>
-          <a:xfrm>
-            <a:off x="10730865" y="3812094"/>
-            <a:ext cx="704850" cy="124676"/>
-          </a:xfrm>
-          <a:prstGeom prst="rect">
-            <a:avLst/>
-          </a:prstGeom>
-          <a:solidFill>
-            <a:schemeClr val="accent2">
-              <a:alpha val="0"/>
-            </a:schemeClr>
-          </a:solidFill>
-          <a:ln>
-            <a:noFill/>
-          </a:ln>
-        </p:spPr>
-        <p:style>
-          <a:lnRef idx="2">
-            <a:schemeClr val="accent1">
-              <a:shade val="50000"/>
-            </a:schemeClr>
-          </a:lnRef>
-          <a:fillRef idx="1">
-            <a:schemeClr val="accent1"/>
-          </a:fillRef>
-          <a:effectRef idx="0">
-            <a:schemeClr val="accent1"/>
-          </a:effectRef>
-          <a:fontRef idx="minor">
-            <a:schemeClr val="lt1"/>
-          </a:fontRef>
-        </p:style>
-        <p:txBody>
-          <a:bodyPr rtlCol="0" anchor="ctr"/>
-          <a:lstStyle/>
-          <a:p>
-            <a:pPr algn="ctr"/>
-            <a:endParaRPr lang="en-GB" dirty="0"/>
-          </a:p>
-        </p:txBody>
-      </p:sp>
-      <p:sp>
-        <p:nvSpPr>
-          <p:cNvPr id="27" name="Rectangle 26">
-            <a:hlinkClick r:id="rId14"/>
-          </p:cNvPr>
-          <p:cNvSpPr/>
-          <p:nvPr userDrawn="1"/>
-        </p:nvSpPr>
-        <p:spPr>
-          <a:xfrm>
-            <a:off x="6532245" y="4445639"/>
-            <a:ext cx="1851660" cy="183449"/>
-          </a:xfrm>
-          <a:prstGeom prst="rect">
-            <a:avLst/>
-          </a:prstGeom>
-          <a:solidFill>
-            <a:schemeClr val="accent2">
-              <a:alpha val="0"/>
-            </a:schemeClr>
-          </a:solidFill>
-          <a:ln>
-            <a:noFill/>
-          </a:ln>
-        </p:spPr>
-        <p:style>
-          <a:lnRef idx="2">
-            <a:schemeClr val="accent1">
-              <a:shade val="50000"/>
-            </a:schemeClr>
-          </a:lnRef>
-          <a:fillRef idx="1">
-            <a:schemeClr val="accent1"/>
-          </a:fillRef>
-          <a:effectRef idx="0">
-            <a:schemeClr val="accent1"/>
-          </a:effectRef>
-          <a:fontRef idx="minor">
-            <a:schemeClr val="lt1"/>
-          </a:fontRef>
-        </p:style>
-        <p:txBody>
-          <a:bodyPr rtlCol="0" anchor="ctr"/>
-          <a:lstStyle/>
-          <a:p>
-            <a:pPr algn="ctr"/>
-            <a:endParaRPr lang="en-GB" dirty="0"/>
-          </a:p>
-        </p:txBody>
-      </p:sp>
-      <p:pic>
-        <p:nvPicPr>
-          <p:cNvPr id="29" name="Picture 28"/>
-          <p:cNvPicPr>
-            <a:picLocks noChangeAspect="1"/>
-          </p:cNvPicPr>
-          <p:nvPr userDrawn="1"/>
-        </p:nvPicPr>
-        <p:blipFill>
-          <a:blip r:embed="rId15" cstate="print">
-            <a:extLst>
-              <a:ext uri="{28A0092B-C50C-407E-A947-70E740481C1C}">
-                <a14:useLocalDpi xmlns:a14="http://schemas.microsoft.com/office/drawing/2010/main" val="0"/>
-              </a:ext>
-            </a:extLst>
-          </a:blip>
-          <a:stretch>
-            <a:fillRect/>
-          </a:stretch>
-        </p:blipFill>
-        <p:spPr>
-          <a:xfrm>
-            <a:off x="407572" y="4434172"/>
-            <a:ext cx="2560320" cy="201012"/>
-          </a:xfrm>
-          <a:prstGeom prst="rect">
-            <a:avLst/>
-          </a:prstGeom>
-        </p:spPr>
-      </p:pic>
-    </p:spTree>
-    <p:extLst>
-      <p:ext uri="{BB962C8B-B14F-4D97-AF65-F5344CB8AC3E}">
-        <p14:creationId xmlns:p14="http://schemas.microsoft.com/office/powerpoint/2010/main" val="2861388153"/>
-      </p:ext>
-    </p:extLst>
-  </p:cSld>
-  <p:clrMapOvr>
-    <a:masterClrMapping/>
-  </p:clrMapOvr>
-</p:sldLayout>
-</file>
-
-<file path=ppt/slideLayouts/slideLayout4.xml><?xml version="1.0" encoding="utf-8"?>
 <p:sldLayout xmlns:a="http://schemas.openxmlformats.org/drawingml/2006/main" xmlns:r="http://schemas.openxmlformats.org/officeDocument/2006/relationships" xmlns:p="http://schemas.openxmlformats.org/presentationml/2006/main" type="obj">
   <p:cSld name="Title and Content">
     <p:spTree>
@@ -5757,7 +4454,7 @@
 </p:sldLayout>
 </file>
 
-<file path=ppt/slideLayouts/slideLayout5.xml><?xml version="1.0" encoding="utf-8"?>
+<file path=ppt/slideLayouts/slideLayout4.xml><?xml version="1.0" encoding="utf-8"?>
 <p:sldLayout xmlns:a="http://schemas.openxmlformats.org/drawingml/2006/main" xmlns:r="http://schemas.openxmlformats.org/officeDocument/2006/relationships" xmlns:p="http://schemas.openxmlformats.org/presentationml/2006/main" type="title">
   <p:cSld name="Title Slide">
     <p:spTree>
@@ -7141,7 +5838,7 @@
             </a:pPr>
             <a:r>
               <a:rPr lang="en-US" sz="600" b="1" dirty="0"/>
-              <a:t>Capgemini Blue</a:t>
+              <a:t> Blue</a:t>
             </a:r>
           </a:p>
           <a:p>
@@ -7539,7 +6236,7 @@
             </a:pPr>
             <a:r>
               <a:rPr lang="en-US" sz="600" b="1" dirty="0"/>
-              <a:t>Capgemini Blue</a:t>
+              <a:t> Blue</a:t>
             </a:r>
             <a:r>
               <a:rPr lang="en-US" sz="600" dirty="0"/>
@@ -8750,9 +7447,8 @@
   <p:clrMap bg1="lt1" tx1="dk1" bg2="lt2" tx2="dk2" accent1="accent1" accent2="accent2" accent3="accent3" accent4="accent4" accent5="accent5" accent6="accent6" hlink="hlink" folHlink="folHlink"/>
   <p:sldLayoutIdLst>
     <p:sldLayoutId id="2147483672" r:id="rId1"/>
-    <p:sldLayoutId id="2147483799" r:id="rId2"/>
-    <p:sldLayoutId id="2147483814" r:id="rId3"/>
-    <p:sldLayoutId id="2147483815" r:id="rId4"/>
+    <p:sldLayoutId id="2147483814" r:id="rId2"/>
+    <p:sldLayoutId id="2147483815" r:id="rId3"/>
   </p:sldLayoutIdLst>
   <p:txStyles>
     <p:titleStyle>
@@ -15833,36 +14529,6 @@
     <p:extLst>
       <p:ext uri="{BB962C8B-B14F-4D97-AF65-F5344CB8AC3E}">
         <p14:creationId xmlns:p14="http://schemas.microsoft.com/office/powerpoint/2010/main" val="1137644409"/>
-      </p:ext>
-    </p:extLst>
-  </p:cSld>
-  <p:clrMapOvr>
-    <a:masterClrMapping/>
-  </p:clrMapOvr>
-</p:sld>
-</file>
-
-<file path=ppt/slides/slide19.xml><?xml version="1.0" encoding="utf-8"?>
-<p:sld xmlns:a="http://schemas.openxmlformats.org/drawingml/2006/main" xmlns:r="http://schemas.openxmlformats.org/officeDocument/2006/relationships" xmlns:p="http://schemas.openxmlformats.org/presentationml/2006/main">
-  <p:cSld>
-    <p:spTree>
-      <p:nvGrpSpPr>
-        <p:cNvPr id="1" name=""/>
-        <p:cNvGrpSpPr/>
-        <p:nvPr/>
-      </p:nvGrpSpPr>
-      <p:grpSpPr>
-        <a:xfrm>
-          <a:off x="0" y="0"/>
-          <a:ext cx="0" cy="0"/>
-          <a:chOff x="0" y="0"/>
-          <a:chExt cx="0" cy="0"/>
-        </a:xfrm>
-      </p:grpSpPr>
-    </p:spTree>
-    <p:extLst>
-      <p:ext uri="{BB962C8B-B14F-4D97-AF65-F5344CB8AC3E}">
-        <p14:creationId xmlns:p14="http://schemas.microsoft.com/office/powerpoint/2010/main" val="1545407803"/>
       </p:ext>
     </p:extLst>
   </p:cSld>
@@ -20315,6 +18981,12 @@
 </file>
 
 <file path=customXml/item1.xml><?xml version="1.0" encoding="utf-8"?>
+<p:properties xmlns:p="http://schemas.microsoft.com/office/2006/metadata/properties" xmlns:xsi="http://www.w3.org/2001/XMLSchema-instance" xmlns:pc="http://schemas.microsoft.com/office/infopath/2007/PartnerControls">
+  <documentManagement/>
+</p:properties>
+</file>
+
+<file path=customXml/item2.xml><?xml version="1.0" encoding="utf-8"?>
 <ct:contentTypeSchema xmlns:ct="http://schemas.microsoft.com/office/2006/metadata/contentType" xmlns:ma="http://schemas.microsoft.com/office/2006/metadata/properties/metaAttributes" ct:_="" ma:_="" ma:contentTypeName="Document" ma:contentTypeID="0x01010003E6AA805E06284B92367B5312DAEABD" ma:contentTypeVersion="2" ma:contentTypeDescription="Create a new document." ma:contentTypeScope="" ma:versionID="5d3fcf7c78f9559156fd4b1bff51d7a0">
   <xsd:schema xmlns:xsd="http://www.w3.org/2001/XMLSchema" xmlns:xs="http://www.w3.org/2001/XMLSchema" xmlns:p="http://schemas.microsoft.com/office/2006/metadata/properties" xmlns:ns2="99b8c997-432e-483c-b625-62aec4b38177" targetNamespace="http://schemas.microsoft.com/office/2006/metadata/properties" ma:root="true" ma:fieldsID="82cee7966e8b05c359a02592ddd1367d" ns2:_="">
     <xsd:import namespace="99b8c997-432e-483c-b625-62aec4b38177"/>
@@ -20446,12 +19118,6 @@
 </ct:contentTypeSchema>
 </file>
 
-<file path=customXml/item2.xml><?xml version="1.0" encoding="utf-8"?>
-<p:properties xmlns:p="http://schemas.microsoft.com/office/2006/metadata/properties" xmlns:xsi="http://www.w3.org/2001/XMLSchema-instance" xmlns:pc="http://schemas.microsoft.com/office/infopath/2007/PartnerControls">
-  <documentManagement/>
-</p:properties>
-</file>
-
 <file path=customXml/item3.xml><?xml version="1.0" encoding="utf-8"?>
 <?mso-contentType ?>
 <FormTemplates xmlns="http://schemas.microsoft.com/sharepoint/v3/contenttype/forms">
@@ -20462,6 +19128,15 @@
 </file>
 
 <file path=customXml/itemProps1.xml><?xml version="1.0" encoding="utf-8"?>
+<ds:datastoreItem xmlns:ds="http://schemas.openxmlformats.org/officeDocument/2006/customXml" ds:itemID="{E6E34656-E680-4E45-821A-28D34D1E6F89}">
+  <ds:schemaRefs>
+    <ds:schemaRef ds:uri="http://schemas.microsoft.com/office/2006/metadata/properties"/>
+    <ds:schemaRef ds:uri="http://schemas.microsoft.com/office/infopath/2007/PartnerControls"/>
+  </ds:schemaRefs>
+</ds:datastoreItem>
+</file>
+
+<file path=customXml/itemProps2.xml><?xml version="1.0" encoding="utf-8"?>
 <ds:datastoreItem xmlns:ds="http://schemas.openxmlformats.org/officeDocument/2006/customXml" ds:itemID="{97CBFFC5-6D74-4537-88D6-2718B8B037EF}">
   <ds:schemaRefs>
     <ds:schemaRef ds:uri="http://schemas.microsoft.com/office/2006/metadata/contentType"/>
@@ -20479,15 +19154,6 @@
 </ds:datastoreItem>
 </file>
 
-<file path=customXml/itemProps2.xml><?xml version="1.0" encoding="utf-8"?>
-<ds:datastoreItem xmlns:ds="http://schemas.openxmlformats.org/officeDocument/2006/customXml" ds:itemID="{E6E34656-E680-4E45-821A-28D34D1E6F89}">
-  <ds:schemaRefs>
-    <ds:schemaRef ds:uri="http://schemas.microsoft.com/office/2006/metadata/properties"/>
-    <ds:schemaRef ds:uri="http://schemas.microsoft.com/office/infopath/2007/PartnerControls"/>
-  </ds:schemaRefs>
-</ds:datastoreItem>
-</file>
-
 <file path=customXml/itemProps3.xml><?xml version="1.0" encoding="utf-8"?>
 <ds:datastoreItem xmlns:ds="http://schemas.openxmlformats.org/officeDocument/2006/customXml" ds:itemID="{A3E109F4-0379-463E-9FBF-BAF009C5FA9B}">
   <ds:schemaRefs>
